--- a/2A LISTA DE EXERCÍCIOS.pptx
+++ b/2A LISTA DE EXERCÍCIOS.pptx
@@ -22,23 +22,25 @@
     <p:sldId id="267" r:id="rId17"/>
     <p:sldId id="268" r:id="rId18"/>
     <p:sldId id="269" r:id="rId19"/>
+    <p:sldId id="270" r:id="rId20"/>
+    <p:sldId id="271" r:id="rId21"/>
   </p:sldIdLst>
   <p:sldSz cy="5143500" cx="9144000"/>
   <p:notesSz cx="6858000" cy="9144000"/>
   <p:embeddedFontLst>
     <p:embeddedFont>
       <p:font typeface="Montserrat"/>
-      <p:regular r:id="rId20"/>
-      <p:bold r:id="rId21"/>
-      <p:italic r:id="rId22"/>
-      <p:boldItalic r:id="rId23"/>
+      <p:regular r:id="rId22"/>
+      <p:bold r:id="rId23"/>
+      <p:italic r:id="rId24"/>
+      <p:boldItalic r:id="rId25"/>
     </p:embeddedFont>
     <p:embeddedFont>
       <p:font typeface="Lato"/>
-      <p:regular r:id="rId24"/>
-      <p:bold r:id="rId25"/>
-      <p:italic r:id="rId26"/>
-      <p:boldItalic r:id="rId27"/>
+      <p:regular r:id="rId26"/>
+      <p:bold r:id="rId27"/>
+      <p:italic r:id="rId28"/>
+      <p:boldItalic r:id="rId29"/>
     </p:embeddedFont>
   </p:embeddedFontLst>
   <p:defaultTextStyle>
@@ -819,7 +821,7 @@
   <p:cSld>
     <p:spTree>
       <p:nvGrpSpPr>
-        <p:cNvPr id="187" name="Shape 187"/>
+        <p:cNvPr id="184" name="Shape 184"/>
         <p:cNvGrpSpPr/>
         <p:nvPr/>
       </p:nvGrpSpPr>
@@ -833,7 +835,7 @@
       </p:grpSpPr>
       <p:sp>
         <p:nvSpPr>
-          <p:cNvPr id="188" name="Google Shape;188;g28e02b6fa96_0_15:notes"/>
+          <p:cNvPr id="185" name="Google Shape;185;g1e7df2bad6f_0_20:notes"/>
           <p:cNvSpPr/>
           <p:nvPr>
             <p:ph idx="2" type="sldImg"/>
@@ -868,7 +870,7 @@
       </p:sp>
       <p:sp>
         <p:nvSpPr>
-          <p:cNvPr id="189" name="Google Shape;189;g28e02b6fa96_0_15:notes"/>
+          <p:cNvPr id="186" name="Google Shape;186;g1e7df2bad6f_0_20:notes"/>
           <p:cNvSpPr txBox="1"/>
           <p:nvPr>
             <p:ph idx="1" type="body"/>
@@ -918,7 +920,7 @@
   <p:cSld>
     <p:spTree>
       <p:nvGrpSpPr>
-        <p:cNvPr id="194" name="Shape 194"/>
+        <p:cNvPr id="193" name="Shape 193"/>
         <p:cNvGrpSpPr/>
         <p:nvPr/>
       </p:nvGrpSpPr>
@@ -932,7 +934,7 @@
       </p:grpSpPr>
       <p:sp>
         <p:nvSpPr>
-          <p:cNvPr id="195" name="Google Shape;195;g1e824e3660c_0_45:notes"/>
+          <p:cNvPr id="194" name="Google Shape;194;g28e02b6fa96_0_15:notes"/>
           <p:cNvSpPr/>
           <p:nvPr>
             <p:ph idx="2" type="sldImg"/>
@@ -967,7 +969,7 @@
       </p:sp>
       <p:sp>
         <p:nvSpPr>
-          <p:cNvPr id="196" name="Google Shape;196;g1e824e3660c_0_45:notes"/>
+          <p:cNvPr id="195" name="Google Shape;195;g28e02b6fa96_0_15:notes"/>
           <p:cNvSpPr txBox="1"/>
           <p:nvPr>
             <p:ph idx="1" type="body"/>
@@ -1031,7 +1033,7 @@
       </p:grpSpPr>
       <p:sp>
         <p:nvSpPr>
-          <p:cNvPr id="201" name="Google Shape;201;g1e824e3660c_0_58:notes"/>
+          <p:cNvPr id="201" name="Google Shape;201;g1e824e3660c_0_45:notes"/>
           <p:cNvSpPr/>
           <p:nvPr>
             <p:ph idx="2" type="sldImg"/>
@@ -1066,7 +1068,7 @@
       </p:sp>
       <p:sp>
         <p:nvSpPr>
-          <p:cNvPr id="202" name="Google Shape;202;g1e824e3660c_0_58:notes"/>
+          <p:cNvPr id="202" name="Google Shape;202;g1e824e3660c_0_45:notes"/>
           <p:cNvSpPr txBox="1"/>
           <p:nvPr>
             <p:ph idx="1" type="body"/>
@@ -1130,7 +1132,7 @@
       </p:grpSpPr>
       <p:sp>
         <p:nvSpPr>
-          <p:cNvPr id="207" name="Google Shape;207;g1e7df2bad6f_0_50:notes"/>
+          <p:cNvPr id="207" name="Google Shape;207;g29380837067_0_18:notes"/>
           <p:cNvSpPr/>
           <p:nvPr>
             <p:ph idx="2" type="sldImg"/>
@@ -1165,7 +1167,7 @@
       </p:sp>
       <p:sp>
         <p:nvSpPr>
-          <p:cNvPr id="208" name="Google Shape;208;g1e7df2bad6f_0_50:notes"/>
+          <p:cNvPr id="208" name="Google Shape;208;g29380837067_0_18:notes"/>
           <p:cNvSpPr txBox="1"/>
           <p:nvPr>
             <p:ph idx="1" type="body"/>
@@ -1229,7 +1231,7 @@
       </p:grpSpPr>
       <p:sp>
         <p:nvSpPr>
-          <p:cNvPr id="212" name="Google Shape;212;g1e824e3660c_0_51:notes"/>
+          <p:cNvPr id="212" name="Google Shape;212;g1e824e3660c_0_58:notes"/>
           <p:cNvSpPr/>
           <p:nvPr>
             <p:ph idx="2" type="sldImg"/>
@@ -1264,7 +1266,205 @@
       </p:sp>
       <p:sp>
         <p:nvSpPr>
-          <p:cNvPr id="213" name="Google Shape;213;g1e824e3660c_0_51:notes"/>
+          <p:cNvPr id="213" name="Google Shape;213;g1e824e3660c_0_58:notes"/>
+          <p:cNvSpPr txBox="1"/>
+          <p:nvPr>
+            <p:ph idx="1" type="body"/>
+          </p:nvPr>
+        </p:nvSpPr>
+        <p:spPr>
+          <a:xfrm>
+            <a:off x="685800" y="4343400"/>
+            <a:ext cx="5486400" cy="4114800"/>
+          </a:xfrm>
+          <a:prstGeom prst="rect">
+            <a:avLst/>
+          </a:prstGeom>
+        </p:spPr>
+        <p:txBody>
+          <a:bodyPr anchorCtr="0" anchor="t" bIns="91425" lIns="91425" spcFirstLastPara="1" rIns="91425" wrap="square" tIns="91425">
+            <a:noAutofit/>
+          </a:bodyPr>
+          <a:lstStyle/>
+          <a:p>
+            <a:pPr indent="0" lvl="0" marL="0" rtl="0" algn="l">
+              <a:spcBef>
+                <a:spcPts val="0"/>
+              </a:spcBef>
+              <a:spcAft>
+                <a:spcPts val="0"/>
+              </a:spcAft>
+              <a:buNone/>
+            </a:pPr>
+            <a:r>
+              <a:t/>
+            </a:r>
+            <a:endParaRPr/>
+          </a:p>
+        </p:txBody>
+      </p:sp>
+    </p:spTree>
+  </p:cSld>
+  <p:clrMapOvr>
+    <a:masterClrMapping/>
+  </p:clrMapOvr>
+</p:notes>
+</file>
+
+<file path=ppt/notesSlides/notesSlide15.xml><?xml version="1.0" encoding="utf-8"?>
+<p:notes xmlns:a="http://schemas.openxmlformats.org/drawingml/2006/main" xmlns:r="http://schemas.openxmlformats.org/officeDocument/2006/relationships" xmlns:mc="http://schemas.openxmlformats.org/markup-compatibility/2006" xmlns:mv="urn:schemas-microsoft-com:mac:vml" xmlns:p="http://schemas.openxmlformats.org/presentationml/2006/main" xmlns:c="http://schemas.openxmlformats.org/drawingml/2006/chart" xmlns:dgm="http://schemas.openxmlformats.org/drawingml/2006/diagram" xmlns:o="urn:schemas-microsoft-com:office:office" xmlns:v="urn:schemas-microsoft-com:vml" xmlns:pvml="urn:schemas-microsoft-com:office:powerpoint" xmlns:com="http://schemas.openxmlformats.org/drawingml/2006/compatibility" xmlns:p14="http://schemas.microsoft.com/office/powerpoint/2010/main" xmlns:p15="http://schemas.microsoft.com/office/powerpoint/2012/main" xmlns:ahyp="http://schemas.microsoft.com/office/drawing/2018/hyperlinkcolor" showMasterPhAnim="0" showMasterSp="0">
+  <p:cSld>
+    <p:spTree>
+      <p:nvGrpSpPr>
+        <p:cNvPr id="216" name="Shape 216"/>
+        <p:cNvGrpSpPr/>
+        <p:nvPr/>
+      </p:nvGrpSpPr>
+      <p:grpSpPr>
+        <a:xfrm>
+          <a:off x="0" y="0"/>
+          <a:ext cx="0" cy="0"/>
+          <a:chOff x="0" y="0"/>
+          <a:chExt cx="0" cy="0"/>
+        </a:xfrm>
+      </p:grpSpPr>
+      <p:sp>
+        <p:nvSpPr>
+          <p:cNvPr id="217" name="Google Shape;217;g1e7df2bad6f_0_50:notes"/>
+          <p:cNvSpPr/>
+          <p:nvPr>
+            <p:ph idx="2" type="sldImg"/>
+          </p:nvPr>
+        </p:nvSpPr>
+        <p:spPr>
+          <a:xfrm>
+            <a:off x="381300" y="685800"/>
+            <a:ext cx="6096000" cy="3429000"/>
+          </a:xfrm>
+          <a:custGeom>
+            <a:rect b="b" l="l" r="r" t="t"/>
+            <a:pathLst>
+              <a:path extrusionOk="0" h="120000" w="120000">
+                <a:moveTo>
+                  <a:pt x="0" y="0"/>
+                </a:moveTo>
+                <a:lnTo>
+                  <a:pt x="120000" y="0"/>
+                </a:lnTo>
+                <a:lnTo>
+                  <a:pt x="120000" y="120000"/>
+                </a:lnTo>
+                <a:lnTo>
+                  <a:pt x="0" y="120000"/>
+                </a:lnTo>
+                <a:close/>
+              </a:path>
+            </a:pathLst>
+          </a:custGeom>
+        </p:spPr>
+      </p:sp>
+      <p:sp>
+        <p:nvSpPr>
+          <p:cNvPr id="218" name="Google Shape;218;g1e7df2bad6f_0_50:notes"/>
+          <p:cNvSpPr txBox="1"/>
+          <p:nvPr>
+            <p:ph idx="1" type="body"/>
+          </p:nvPr>
+        </p:nvSpPr>
+        <p:spPr>
+          <a:xfrm>
+            <a:off x="685800" y="4343400"/>
+            <a:ext cx="5486400" cy="4114800"/>
+          </a:xfrm>
+          <a:prstGeom prst="rect">
+            <a:avLst/>
+          </a:prstGeom>
+        </p:spPr>
+        <p:txBody>
+          <a:bodyPr anchorCtr="0" anchor="t" bIns="91425" lIns="91425" spcFirstLastPara="1" rIns="91425" wrap="square" tIns="91425">
+            <a:noAutofit/>
+          </a:bodyPr>
+          <a:lstStyle/>
+          <a:p>
+            <a:pPr indent="0" lvl="0" marL="0" rtl="0" algn="l">
+              <a:spcBef>
+                <a:spcPts val="0"/>
+              </a:spcBef>
+              <a:spcAft>
+                <a:spcPts val="0"/>
+              </a:spcAft>
+              <a:buNone/>
+            </a:pPr>
+            <a:r>
+              <a:t/>
+            </a:r>
+            <a:endParaRPr/>
+          </a:p>
+        </p:txBody>
+      </p:sp>
+    </p:spTree>
+  </p:cSld>
+  <p:clrMapOvr>
+    <a:masterClrMapping/>
+  </p:clrMapOvr>
+</p:notes>
+</file>
+
+<file path=ppt/notesSlides/notesSlide16.xml><?xml version="1.0" encoding="utf-8"?>
+<p:notes xmlns:a="http://schemas.openxmlformats.org/drawingml/2006/main" xmlns:r="http://schemas.openxmlformats.org/officeDocument/2006/relationships" xmlns:mc="http://schemas.openxmlformats.org/markup-compatibility/2006" xmlns:mv="urn:schemas-microsoft-com:mac:vml" xmlns:p="http://schemas.openxmlformats.org/presentationml/2006/main" xmlns:c="http://schemas.openxmlformats.org/drawingml/2006/chart" xmlns:dgm="http://schemas.openxmlformats.org/drawingml/2006/diagram" xmlns:o="urn:schemas-microsoft-com:office:office" xmlns:v="urn:schemas-microsoft-com:vml" xmlns:pvml="urn:schemas-microsoft-com:office:powerpoint" xmlns:com="http://schemas.openxmlformats.org/drawingml/2006/compatibility" xmlns:p14="http://schemas.microsoft.com/office/powerpoint/2010/main" xmlns:p15="http://schemas.microsoft.com/office/powerpoint/2012/main" xmlns:ahyp="http://schemas.microsoft.com/office/drawing/2018/hyperlinkcolor" showMasterPhAnim="0" showMasterSp="0">
+  <p:cSld>
+    <p:spTree>
+      <p:nvGrpSpPr>
+        <p:cNvPr id="221" name="Shape 221"/>
+        <p:cNvGrpSpPr/>
+        <p:nvPr/>
+      </p:nvGrpSpPr>
+      <p:grpSpPr>
+        <a:xfrm>
+          <a:off x="0" y="0"/>
+          <a:ext cx="0" cy="0"/>
+          <a:chOff x="0" y="0"/>
+          <a:chExt cx="0" cy="0"/>
+        </a:xfrm>
+      </p:grpSpPr>
+      <p:sp>
+        <p:nvSpPr>
+          <p:cNvPr id="222" name="Google Shape;222;g1e824e3660c_0_51:notes"/>
+          <p:cNvSpPr/>
+          <p:nvPr>
+            <p:ph idx="2" type="sldImg"/>
+          </p:nvPr>
+        </p:nvSpPr>
+        <p:spPr>
+          <a:xfrm>
+            <a:off x="381300" y="685800"/>
+            <a:ext cx="6096000" cy="3429000"/>
+          </a:xfrm>
+          <a:custGeom>
+            <a:rect b="b" l="l" r="r" t="t"/>
+            <a:pathLst>
+              <a:path extrusionOk="0" h="120000" w="120000">
+                <a:moveTo>
+                  <a:pt x="0" y="0"/>
+                </a:moveTo>
+                <a:lnTo>
+                  <a:pt x="120000" y="0"/>
+                </a:lnTo>
+                <a:lnTo>
+                  <a:pt x="120000" y="120000"/>
+                </a:lnTo>
+                <a:lnTo>
+                  <a:pt x="0" y="120000"/>
+                </a:lnTo>
+                <a:close/>
+              </a:path>
+            </a:pathLst>
+          </a:custGeom>
+        </p:spPr>
+      </p:sp>
+      <p:sp>
+        <p:nvSpPr>
+          <p:cNvPr id="223" name="Google Shape;223;g1e824e3660c_0_51:notes"/>
           <p:cNvSpPr txBox="1"/>
           <p:nvPr>
             <p:ph idx="1" type="body"/>
@@ -1413,7 +1613,7 @@
   <p:cSld>
     <p:spTree>
       <p:nvGrpSpPr>
-        <p:cNvPr id="142" name="Shape 142"/>
+        <p:cNvPr id="143" name="Shape 143"/>
         <p:cNvGrpSpPr/>
         <p:nvPr/>
       </p:nvGrpSpPr>
@@ -1427,7 +1627,7 @@
       </p:grpSpPr>
       <p:sp>
         <p:nvSpPr>
-          <p:cNvPr id="143" name="Google Shape;143;g1e824e3660c_0_16:notes"/>
+          <p:cNvPr id="144" name="Google Shape;144;g29380837067_0_0:notes"/>
           <p:cNvSpPr/>
           <p:nvPr>
             <p:ph idx="2" type="sldImg"/>
@@ -1462,7 +1662,7 @@
       </p:sp>
       <p:sp>
         <p:nvSpPr>
-          <p:cNvPr id="144" name="Google Shape;144;g1e824e3660c_0_16:notes"/>
+          <p:cNvPr id="145" name="Google Shape;145;g29380837067_0_0:notes"/>
           <p:cNvSpPr txBox="1"/>
           <p:nvPr>
             <p:ph idx="1" type="body"/>
@@ -1526,7 +1726,7 @@
       </p:grpSpPr>
       <p:sp>
         <p:nvSpPr>
-          <p:cNvPr id="149" name="Google Shape;149;g28e02b6fa96_0_0:notes"/>
+          <p:cNvPr id="149" name="Google Shape;149;g1e824e3660c_0_16:notes"/>
           <p:cNvSpPr/>
           <p:nvPr>
             <p:ph idx="2" type="sldImg"/>
@@ -1561,7 +1761,7 @@
       </p:sp>
       <p:sp>
         <p:nvSpPr>
-          <p:cNvPr id="150" name="Google Shape;150;g28e02b6fa96_0_0:notes"/>
+          <p:cNvPr id="150" name="Google Shape;150;g1e824e3660c_0_16:notes"/>
           <p:cNvSpPr txBox="1"/>
           <p:nvPr>
             <p:ph idx="1" type="body"/>
@@ -1625,7 +1825,7 @@
       </p:grpSpPr>
       <p:sp>
         <p:nvSpPr>
-          <p:cNvPr id="155" name="Google Shape;155;g2926420ced9_0_18:notes"/>
+          <p:cNvPr id="155" name="Google Shape;155;g28e02b6fa96_0_0:notes"/>
           <p:cNvSpPr/>
           <p:nvPr>
             <p:ph idx="2" type="sldImg"/>
@@ -1660,7 +1860,7 @@
       </p:sp>
       <p:sp>
         <p:nvSpPr>
-          <p:cNvPr id="156" name="Google Shape;156;g2926420ced9_0_18:notes"/>
+          <p:cNvPr id="156" name="Google Shape;156;g28e02b6fa96_0_0:notes"/>
           <p:cNvSpPr txBox="1"/>
           <p:nvPr>
             <p:ph idx="1" type="body"/>
@@ -1724,7 +1924,7 @@
       </p:grpSpPr>
       <p:sp>
         <p:nvSpPr>
-          <p:cNvPr id="161" name="Google Shape;161;g2926420ced9_0_24:notes"/>
+          <p:cNvPr id="161" name="Google Shape;161;g2926420ced9_0_18:notes"/>
           <p:cNvSpPr/>
           <p:nvPr>
             <p:ph idx="2" type="sldImg"/>
@@ -1759,7 +1959,7 @@
       </p:sp>
       <p:sp>
         <p:nvSpPr>
-          <p:cNvPr id="162" name="Google Shape;162;g2926420ced9_0_24:notes"/>
+          <p:cNvPr id="162" name="Google Shape;162;g2926420ced9_0_18:notes"/>
           <p:cNvSpPr txBox="1"/>
           <p:nvPr>
             <p:ph idx="1" type="body"/>
@@ -1823,7 +2023,7 @@
       </p:grpSpPr>
       <p:sp>
         <p:nvSpPr>
-          <p:cNvPr id="167" name="Google Shape;167;g28e02b6fa96_0_8:notes"/>
+          <p:cNvPr id="167" name="Google Shape;167;g2926420ced9_0_24:notes"/>
           <p:cNvSpPr/>
           <p:nvPr>
             <p:ph idx="2" type="sldImg"/>
@@ -1858,7 +2058,7 @@
       </p:sp>
       <p:sp>
         <p:nvSpPr>
-          <p:cNvPr id="168" name="Google Shape;168;g28e02b6fa96_0_8:notes"/>
+          <p:cNvPr id="168" name="Google Shape;168;g2926420ced9_0_24:notes"/>
           <p:cNvSpPr txBox="1"/>
           <p:nvPr>
             <p:ph idx="1" type="body"/>
@@ -1922,7 +2122,7 @@
       </p:grpSpPr>
       <p:sp>
         <p:nvSpPr>
-          <p:cNvPr id="173" name="Google Shape;173;g28e02b6fa96_0_24:notes"/>
+          <p:cNvPr id="173" name="Google Shape;173;g28e02b6fa96_0_8:notes"/>
           <p:cNvSpPr/>
           <p:nvPr>
             <p:ph idx="2" type="sldImg"/>
@@ -1957,7 +2157,7 @@
       </p:sp>
       <p:sp>
         <p:nvSpPr>
-          <p:cNvPr id="174" name="Google Shape;174;g28e02b6fa96_0_24:notes"/>
+          <p:cNvPr id="174" name="Google Shape;174;g28e02b6fa96_0_8:notes"/>
           <p:cNvSpPr txBox="1"/>
           <p:nvPr>
             <p:ph idx="1" type="body"/>
@@ -2021,7 +2221,7 @@
       </p:grpSpPr>
       <p:sp>
         <p:nvSpPr>
-          <p:cNvPr id="179" name="Google Shape;179;g1e7df2bad6f_0_20:notes"/>
+          <p:cNvPr id="179" name="Google Shape;179;g28e02b6fa96_0_24:notes"/>
           <p:cNvSpPr/>
           <p:nvPr>
             <p:ph idx="2" type="sldImg"/>
@@ -2056,7 +2256,7 @@
       </p:sp>
       <p:sp>
         <p:nvSpPr>
-          <p:cNvPr id="180" name="Google Shape;180;g1e7df2bad6f_0_20:notes"/>
+          <p:cNvPr id="180" name="Google Shape;180;g28e02b6fa96_0_24:notes"/>
           <p:cNvSpPr txBox="1"/>
           <p:nvPr>
             <p:ph idx="1" type="body"/>
@@ -10411,7 +10611,7 @@
   <p:cSld>
     <p:spTree>
       <p:nvGrpSpPr>
-        <p:cNvPr id="190" name="Shape 190"/>
+        <p:cNvPr id="187" name="Shape 187"/>
         <p:cNvGrpSpPr/>
         <p:nvPr/>
       </p:nvGrpSpPr>
@@ -10425,7 +10625,7 @@
       </p:grpSpPr>
       <p:sp>
         <p:nvSpPr>
-          <p:cNvPr id="191" name="Google Shape;191;p22"/>
+          <p:cNvPr id="188" name="Google Shape;188;p22"/>
           <p:cNvSpPr txBox="1"/>
           <p:nvPr>
             <p:ph type="title"/>
@@ -10465,7 +10665,7 @@
       </p:sp>
       <p:pic>
         <p:nvPicPr>
-          <p:cNvPr id="192" name="Google Shape;192;p22"/>
+          <p:cNvPr id="189" name="Google Shape;189;p22"/>
           <p:cNvPicPr preferRelativeResize="0"/>
           <p:nvPr/>
         </p:nvPicPr>
@@ -10479,8 +10679,8 @@
         </p:blipFill>
         <p:spPr>
           <a:xfrm>
-            <a:off x="4692250" y="1276325"/>
-            <a:ext cx="4043994" cy="3165801"/>
+            <a:off x="419600" y="1307850"/>
+            <a:ext cx="4007515" cy="3530850"/>
           </a:xfrm>
           <a:prstGeom prst="rect">
             <a:avLst/>
@@ -10493,7 +10693,7 @@
       </p:pic>
       <p:pic>
         <p:nvPicPr>
-          <p:cNvPr id="193" name="Google Shape;193;p22"/>
+          <p:cNvPr id="190" name="Google Shape;190;p22"/>
           <p:cNvPicPr preferRelativeResize="0"/>
           <p:nvPr/>
         </p:nvPicPr>
@@ -10507,8 +10707,8 @@
         </p:blipFill>
         <p:spPr>
           <a:xfrm>
-            <a:off x="426300" y="1292088"/>
-            <a:ext cx="4007513" cy="3134281"/>
+            <a:off x="4753190" y="1307850"/>
+            <a:ext cx="4009911" cy="3530851"/>
           </a:xfrm>
           <a:prstGeom prst="rect">
             <a:avLst/>
@@ -10519,6 +10719,112 @@
           </a:ln>
         </p:spPr>
       </p:pic>
+      <p:sp>
+        <p:nvSpPr>
+          <p:cNvPr id="191" name="Google Shape;191;p22"/>
+          <p:cNvSpPr txBox="1"/>
+          <p:nvPr/>
+        </p:nvSpPr>
+        <p:spPr>
+          <a:xfrm>
+            <a:off x="694700" y="961650"/>
+            <a:ext cx="3000000" cy="346200"/>
+          </a:xfrm>
+          <a:prstGeom prst="rect">
+            <a:avLst/>
+          </a:prstGeom>
+          <a:noFill/>
+          <a:ln>
+            <a:noFill/>
+          </a:ln>
+        </p:spPr>
+        <p:txBody>
+          <a:bodyPr anchorCtr="0" anchor="t" bIns="91425" lIns="91425" spcFirstLastPara="1" rIns="91425" wrap="square" tIns="91425">
+            <a:spAutoFit/>
+          </a:bodyPr>
+          <a:lstStyle/>
+          <a:p>
+            <a:pPr indent="0" lvl="0" marL="0" rtl="0" algn="l">
+              <a:spcBef>
+                <a:spcPts val="0"/>
+              </a:spcBef>
+              <a:spcAft>
+                <a:spcPts val="0"/>
+              </a:spcAft>
+              <a:buNone/>
+            </a:pPr>
+            <a:r>
+              <a:rPr lang="pt-BR" sz="1050">
+                <a:solidFill>
+                  <a:srgbClr val="D5D5D5"/>
+                </a:solidFill>
+                <a:highlight>
+                  <a:srgbClr val="383838"/>
+                </a:highlight>
+                <a:latin typeface="Courier New"/>
+                <a:ea typeface="Courier New"/>
+                <a:cs typeface="Courier New"/>
+                <a:sym typeface="Courier New"/>
+              </a:rPr>
+              <a:t>Acurácia: 99.06%</a:t>
+            </a:r>
+            <a:endParaRPr/>
+          </a:p>
+        </p:txBody>
+      </p:sp>
+      <p:sp>
+        <p:nvSpPr>
+          <p:cNvPr id="192" name="Google Shape;192;p22"/>
+          <p:cNvSpPr txBox="1"/>
+          <p:nvPr/>
+        </p:nvSpPr>
+        <p:spPr>
+          <a:xfrm>
+            <a:off x="5258150" y="928500"/>
+            <a:ext cx="3000000" cy="346200"/>
+          </a:xfrm>
+          <a:prstGeom prst="rect">
+            <a:avLst/>
+          </a:prstGeom>
+          <a:noFill/>
+          <a:ln>
+            <a:noFill/>
+          </a:ln>
+        </p:spPr>
+        <p:txBody>
+          <a:bodyPr anchorCtr="0" anchor="t" bIns="91425" lIns="91425" spcFirstLastPara="1" rIns="91425" wrap="square" tIns="91425">
+            <a:spAutoFit/>
+          </a:bodyPr>
+          <a:lstStyle/>
+          <a:p>
+            <a:pPr indent="0" lvl="0" marL="0" rtl="0" algn="l">
+              <a:spcBef>
+                <a:spcPts val="0"/>
+              </a:spcBef>
+              <a:spcAft>
+                <a:spcPts val="0"/>
+              </a:spcAft>
+              <a:buNone/>
+            </a:pPr>
+            <a:r>
+              <a:rPr lang="pt-BR" sz="1050">
+                <a:solidFill>
+                  <a:srgbClr val="D5D5D5"/>
+                </a:solidFill>
+                <a:highlight>
+                  <a:srgbClr val="383838"/>
+                </a:highlight>
+                <a:latin typeface="Courier New"/>
+                <a:ea typeface="Courier New"/>
+                <a:cs typeface="Courier New"/>
+                <a:sym typeface="Courier New"/>
+              </a:rPr>
+              <a:t>Acurácia: 97.43%</a:t>
+            </a:r>
+            <a:endParaRPr/>
+          </a:p>
+        </p:txBody>
+      </p:sp>
     </p:spTree>
   </p:cSld>
   <p:clrMapOvr>
@@ -10532,7 +10838,7 @@
   <p:cSld>
     <p:spTree>
       <p:nvGrpSpPr>
-        <p:cNvPr id="197" name="Shape 197"/>
+        <p:cNvPr id="196" name="Shape 196"/>
         <p:cNvGrpSpPr/>
         <p:nvPr/>
       </p:nvGrpSpPr>
@@ -10546,7 +10852,7 @@
       </p:grpSpPr>
       <p:sp>
         <p:nvSpPr>
-          <p:cNvPr id="198" name="Google Shape;198;p23"/>
+          <p:cNvPr id="197" name="Google Shape;197;p23"/>
           <p:cNvSpPr txBox="1"/>
           <p:nvPr>
             <p:ph type="title"/>
@@ -10554,8 +10860,8 @@
         </p:nvSpPr>
         <p:spPr>
           <a:xfrm>
-            <a:off x="1304200" y="200050"/>
-            <a:ext cx="7038900" cy="914100"/>
+            <a:off x="1297500" y="393750"/>
+            <a:ext cx="7038900" cy="561600"/>
           </a:xfrm>
           <a:prstGeom prst="rect">
             <a:avLst/>
@@ -10578,217 +10884,68 @@
             </a:pPr>
             <a:r>
               <a:rPr lang="pt-BR"/>
-              <a:t>Questão 3 CIFAR-10 </a:t>
+              <a:t>Questão 2 </a:t>
             </a:r>
             <a:endParaRPr/>
           </a:p>
         </p:txBody>
       </p:sp>
-      <p:sp>
-        <p:nvSpPr>
-          <p:cNvPr id="199" name="Google Shape;199;p23"/>
-          <p:cNvSpPr txBox="1"/>
-          <p:nvPr>
-            <p:ph idx="1" type="body"/>
-          </p:nvPr>
-        </p:nvSpPr>
+      <p:pic>
+        <p:nvPicPr>
+          <p:cNvPr id="198" name="Google Shape;198;p23"/>
+          <p:cNvPicPr preferRelativeResize="0"/>
+          <p:nvPr/>
+        </p:nvPicPr>
+        <p:blipFill>
+          <a:blip r:embed="rId3">
+            <a:alphaModFix/>
+          </a:blip>
+          <a:stretch>
+            <a:fillRect/>
+          </a:stretch>
+        </p:blipFill>
         <p:spPr>
           <a:xfrm>
-            <a:off x="1019500" y="808275"/>
-            <a:ext cx="6602100" cy="3934500"/>
+            <a:off x="152400" y="1107750"/>
+            <a:ext cx="4392351" cy="3407858"/>
           </a:xfrm>
           <a:prstGeom prst="rect">
             <a:avLst/>
           </a:prstGeom>
+          <a:noFill/>
+          <a:ln>
+            <a:noFill/>
+          </a:ln>
         </p:spPr>
-        <p:txBody>
-          <a:bodyPr anchorCtr="0" anchor="t" bIns="91425" lIns="91425" spcFirstLastPara="1" rIns="91425" wrap="square" tIns="91425">
-            <a:normAutofit lnSpcReduction="10000"/>
-          </a:bodyPr>
-          <a:lstStyle/>
-          <a:p>
-            <a:pPr indent="0" lvl="0" marL="0" rtl="0" algn="l">
-              <a:spcBef>
-                <a:spcPts val="1500"/>
-              </a:spcBef>
-              <a:spcAft>
-                <a:spcPts val="0"/>
-              </a:spcAft>
-              <a:buNone/>
-            </a:pPr>
-            <a:r>
-              <a:rPr lang="pt-BR" sz="1200"/>
-              <a:t>Épocas: 10</a:t>
-            </a:r>
-            <a:endParaRPr sz="1200"/>
-          </a:p>
-          <a:p>
-            <a:pPr indent="0" lvl="0" marL="0" rtl="0" algn="l">
-              <a:spcBef>
-                <a:spcPts val="1500"/>
-              </a:spcBef>
-              <a:spcAft>
-                <a:spcPts val="0"/>
-              </a:spcAft>
-              <a:buNone/>
-            </a:pPr>
-            <a:r>
-              <a:rPr lang="pt-BR" sz="1200"/>
-              <a:t>tensorflow/keras</a:t>
-            </a:r>
-            <a:endParaRPr sz="1200"/>
-          </a:p>
-          <a:p>
-            <a:pPr indent="0" lvl="0" marL="0" rtl="0" algn="l">
-              <a:spcBef>
-                <a:spcPts val="1500"/>
-              </a:spcBef>
-              <a:spcAft>
-                <a:spcPts val="0"/>
-              </a:spcAft>
-              <a:buNone/>
-            </a:pPr>
-            <a:r>
-              <a:rPr lang="pt-BR"/>
-              <a:t>3 Camada Convolucional 2D (Conv2D) :</a:t>
-            </a:r>
-            <a:endParaRPr/>
-          </a:p>
-          <a:p>
-            <a:pPr indent="-311150" lvl="0" marL="457200" rtl="0" algn="l">
-              <a:spcBef>
-                <a:spcPts val="1200"/>
-              </a:spcBef>
-              <a:spcAft>
-                <a:spcPts val="0"/>
-              </a:spcAft>
-              <a:buSzPts val="1300"/>
-              <a:buChar char="●"/>
-            </a:pPr>
-            <a:r>
-              <a:rPr lang="pt-BR"/>
-              <a:t>1 com 32 neurônios Relu</a:t>
-            </a:r>
-            <a:endParaRPr/>
-          </a:p>
-          <a:p>
-            <a:pPr indent="-311150" lvl="0" marL="457200" rtl="0" algn="l">
-              <a:spcBef>
-                <a:spcPts val="0"/>
-              </a:spcBef>
-              <a:spcAft>
-                <a:spcPts val="0"/>
-              </a:spcAft>
-              <a:buSzPts val="1300"/>
-              <a:buChar char="●"/>
-            </a:pPr>
-            <a:r>
-              <a:rPr lang="pt-BR"/>
-              <a:t>2 com com 64 neurônios Relu</a:t>
-            </a:r>
-            <a:endParaRPr/>
-          </a:p>
-          <a:p>
-            <a:pPr indent="0" lvl="0" marL="0" rtl="0" algn="l">
-              <a:spcBef>
-                <a:spcPts val="1200"/>
-              </a:spcBef>
-              <a:spcAft>
-                <a:spcPts val="0"/>
-              </a:spcAft>
-              <a:buNone/>
-            </a:pPr>
-            <a:r>
-              <a:rPr lang="pt-BR"/>
-              <a:t>2 Camada de Pooling 2D:</a:t>
-            </a:r>
-            <a:endParaRPr/>
-          </a:p>
-          <a:p>
-            <a:pPr indent="0" lvl="0" marL="0" rtl="0" algn="l">
-              <a:spcBef>
-                <a:spcPts val="1500"/>
-              </a:spcBef>
-              <a:spcAft>
-                <a:spcPts val="0"/>
-              </a:spcAft>
-              <a:buNone/>
-            </a:pPr>
-            <a:r>
-              <a:rPr lang="pt-BR" sz="1200"/>
-              <a:t>Camadas Densas:</a:t>
-            </a:r>
-            <a:endParaRPr sz="1200"/>
-          </a:p>
-          <a:p>
-            <a:pPr indent="-304800" lvl="0" marL="457200" rtl="0" algn="l">
-              <a:spcBef>
-                <a:spcPts val="1500"/>
-              </a:spcBef>
-              <a:spcAft>
-                <a:spcPts val="0"/>
-              </a:spcAft>
-              <a:buSzPts val="1200"/>
-              <a:buChar char="●"/>
-            </a:pPr>
-            <a:r>
-              <a:rPr lang="pt-BR" sz="1200"/>
-              <a:t>Layers.Flatten() para conectar a camadas densas.</a:t>
-            </a:r>
-            <a:endParaRPr sz="1200"/>
-          </a:p>
-          <a:p>
-            <a:pPr indent="0" lvl="0" marL="0" rtl="0" algn="l">
-              <a:spcBef>
-                <a:spcPts val="1500"/>
-              </a:spcBef>
-              <a:spcAft>
-                <a:spcPts val="0"/>
-              </a:spcAft>
-              <a:buNone/>
-            </a:pPr>
-            <a:r>
-              <a:rPr lang="pt-BR" sz="1200"/>
-              <a:t>2 camadas densas com ReLU. </a:t>
-            </a:r>
-            <a:endParaRPr sz="1200"/>
-          </a:p>
-          <a:p>
-            <a:pPr indent="-304800" lvl="0" marL="457200" rtl="0" algn="l">
-              <a:spcBef>
-                <a:spcPts val="1500"/>
-              </a:spcBef>
-              <a:spcAft>
-                <a:spcPts val="0"/>
-              </a:spcAft>
-              <a:buSzPts val="1200"/>
-              <a:buChar char="●"/>
-            </a:pPr>
-            <a:r>
-              <a:rPr lang="pt-BR" sz="1200"/>
-              <a:t>64 neurônios.</a:t>
-            </a:r>
-            <a:endParaRPr sz="1200"/>
-          </a:p>
-          <a:p>
-            <a:pPr indent="-304800" lvl="0" marL="457200" rtl="0" algn="l">
-              <a:spcBef>
-                <a:spcPts val="0"/>
-              </a:spcBef>
-              <a:spcAft>
-                <a:spcPts val="0"/>
-              </a:spcAft>
-              <a:buSzPts val="1200"/>
-              <a:buChar char="●"/>
-            </a:pPr>
-            <a:r>
-              <a:rPr lang="pt-BR" sz="1200"/>
-              <a:t>10 neurônios.</a:t>
-            </a:r>
-            <a:endParaRPr sz="1200"/>
-          </a:p>
-        </p:txBody>
-      </p:sp>
+      </p:pic>
+      <p:pic>
+        <p:nvPicPr>
+          <p:cNvPr id="199" name="Google Shape;199;p23"/>
+          <p:cNvPicPr preferRelativeResize="0"/>
+          <p:nvPr/>
+        </p:nvPicPr>
+        <p:blipFill>
+          <a:blip r:embed="rId4">
+            <a:alphaModFix/>
+          </a:blip>
+          <a:stretch>
+            <a:fillRect/>
+          </a:stretch>
+        </p:blipFill>
+        <p:spPr>
+          <a:xfrm>
+            <a:off x="4697151" y="1107750"/>
+            <a:ext cx="4294449" cy="3359092"/>
+          </a:xfrm>
+          <a:prstGeom prst="rect">
+            <a:avLst/>
+          </a:prstGeom>
+          <a:noFill/>
+          <a:ln>
+            <a:noFill/>
+          </a:ln>
+        </p:spPr>
+      </p:pic>
     </p:spTree>
   </p:cSld>
   <p:clrMapOvr>
@@ -10814,62 +10971,72 @@
           <a:chExt cx="0" cy="0"/>
         </a:xfrm>
       </p:grpSpPr>
-      <p:pic>
-        <p:nvPicPr>
+      <p:sp>
+        <p:nvSpPr>
           <p:cNvPr id="204" name="Google Shape;204;p24"/>
-          <p:cNvPicPr preferRelativeResize="0"/>
-          <p:nvPr/>
-        </p:nvPicPr>
-        <p:blipFill>
-          <a:blip r:embed="rId3">
-            <a:alphaModFix/>
-          </a:blip>
-          <a:stretch>
-            <a:fillRect/>
-          </a:stretch>
-        </p:blipFill>
+          <p:cNvSpPr txBox="1"/>
+          <p:nvPr>
+            <p:ph type="title"/>
+          </p:nvPr>
+        </p:nvSpPr>
         <p:spPr>
           <a:xfrm>
-            <a:off x="1147700" y="766950"/>
-            <a:ext cx="4623700" cy="3549425"/>
+            <a:off x="1304200" y="200050"/>
+            <a:ext cx="7038900" cy="914100"/>
           </a:xfrm>
           <a:prstGeom prst="rect">
             <a:avLst/>
           </a:prstGeom>
-          <a:noFill/>
-          <a:ln>
-            <a:noFill/>
-          </a:ln>
         </p:spPr>
-      </p:pic>
+        <p:txBody>
+          <a:bodyPr anchorCtr="0" anchor="t" bIns="91425" lIns="91425" spcFirstLastPara="1" rIns="91425" wrap="square" tIns="91425">
+            <a:normAutofit/>
+          </a:bodyPr>
+          <a:lstStyle/>
+          <a:p>
+            <a:pPr indent="0" lvl="0" marL="0" rtl="0" algn="l">
+              <a:spcBef>
+                <a:spcPts val="0"/>
+              </a:spcBef>
+              <a:spcAft>
+                <a:spcPts val="0"/>
+              </a:spcAft>
+              <a:buNone/>
+            </a:pPr>
+            <a:r>
+              <a:rPr lang="pt-BR"/>
+              <a:t>Questão 3 CIFAR-10 </a:t>
+            </a:r>
+            <a:endParaRPr/>
+          </a:p>
+        </p:txBody>
+      </p:sp>
       <p:sp>
         <p:nvSpPr>
           <p:cNvPr id="205" name="Google Shape;205;p24"/>
           <p:cNvSpPr txBox="1"/>
-          <p:nvPr/>
+          <p:nvPr>
+            <p:ph idx="1" type="body"/>
+          </p:nvPr>
         </p:nvSpPr>
         <p:spPr>
           <a:xfrm>
-            <a:off x="1683325" y="374075"/>
-            <a:ext cx="1857000" cy="253800"/>
+            <a:off x="1019500" y="808275"/>
+            <a:ext cx="6602100" cy="3934500"/>
           </a:xfrm>
           <a:prstGeom prst="rect">
             <a:avLst/>
           </a:prstGeom>
-          <a:noFill/>
-          <a:ln>
-            <a:noFill/>
-          </a:ln>
         </p:spPr>
         <p:txBody>
           <a:bodyPr anchorCtr="0" anchor="t" bIns="91425" lIns="91425" spcFirstLastPara="1" rIns="91425" wrap="square" tIns="91425">
-            <a:noAutofit/>
+            <a:normAutofit lnSpcReduction="10000"/>
           </a:bodyPr>
           <a:lstStyle/>
           <a:p>
             <a:pPr indent="0" lvl="0" marL="0" rtl="0" algn="l">
               <a:spcBef>
-                <a:spcPts val="0"/>
+                <a:spcPts val="1500"/>
               </a:spcBef>
               <a:spcAft>
                 <a:spcPts val="0"/>
@@ -10877,47 +11044,175 @@
               <a:buNone/>
             </a:pPr>
             <a:r>
-              <a:rPr lang="pt-BR" sz="1200">
-                <a:solidFill>
-                  <a:schemeClr val="lt1"/>
-                </a:solidFill>
-                <a:latin typeface="Lato"/>
-                <a:ea typeface="Lato"/>
-                <a:cs typeface="Lato"/>
-                <a:sym typeface="Lato"/>
-              </a:rPr>
-              <a:t>Acurácia</a:t>
+              <a:rPr lang="pt-BR" sz="1200"/>
+              <a:t>Épocas: 10</a:t>
             </a:r>
+            <a:endParaRPr sz="1200"/>
+          </a:p>
+          <a:p>
+            <a:pPr indent="0" lvl="0" marL="0" rtl="0" algn="l">
+              <a:spcBef>
+                <a:spcPts val="1500"/>
+              </a:spcBef>
+              <a:spcAft>
+                <a:spcPts val="0"/>
+              </a:spcAft>
+              <a:buNone/>
+            </a:pPr>
             <a:r>
-              <a:rPr lang="pt-BR" sz="1200">
-                <a:solidFill>
-                  <a:schemeClr val="lt1"/>
-                </a:solidFill>
-                <a:latin typeface="Lato"/>
-                <a:ea typeface="Lato"/>
-                <a:cs typeface="Lato"/>
-                <a:sym typeface="Lato"/>
-              </a:rPr>
-              <a:t> </a:t>
+              <a:rPr lang="pt-BR" sz="1200"/>
+              <a:t>tensorflow/keras</a:t>
             </a:r>
+            <a:endParaRPr sz="1200"/>
+          </a:p>
+          <a:p>
+            <a:pPr indent="0" lvl="0" marL="0" rtl="0" algn="l">
+              <a:spcBef>
+                <a:spcPts val="1500"/>
+              </a:spcBef>
+              <a:spcAft>
+                <a:spcPts val="0"/>
+              </a:spcAft>
+              <a:buNone/>
+            </a:pPr>
             <a:r>
-              <a:rPr lang="pt-BR" sz="1200">
-                <a:solidFill>
-                  <a:schemeClr val="lt1"/>
-                </a:solidFill>
-                <a:latin typeface="Lato"/>
-                <a:ea typeface="Lato"/>
-                <a:cs typeface="Lato"/>
-                <a:sym typeface="Lato"/>
-              </a:rPr>
-              <a:t>69,98%</a:t>
+              <a:rPr lang="pt-BR"/>
+              <a:t>3 Camada Convolucional 2D (Conv2D) :</a:t>
             </a:r>
-            <a:endParaRPr>
-              <a:latin typeface="Lato"/>
-              <a:ea typeface="Lato"/>
-              <a:cs typeface="Lato"/>
-              <a:sym typeface="Lato"/>
-            </a:endParaRPr>
+            <a:endParaRPr/>
+          </a:p>
+          <a:p>
+            <a:pPr indent="-311150" lvl="0" marL="457200" rtl="0" algn="l">
+              <a:spcBef>
+                <a:spcPts val="1200"/>
+              </a:spcBef>
+              <a:spcAft>
+                <a:spcPts val="0"/>
+              </a:spcAft>
+              <a:buSzPts val="1300"/>
+              <a:buChar char="●"/>
+            </a:pPr>
+            <a:r>
+              <a:rPr lang="pt-BR"/>
+              <a:t>1 com 32 neurônios Relu</a:t>
+            </a:r>
+            <a:endParaRPr/>
+          </a:p>
+          <a:p>
+            <a:pPr indent="-311150" lvl="0" marL="457200" rtl="0" algn="l">
+              <a:spcBef>
+                <a:spcPts val="0"/>
+              </a:spcBef>
+              <a:spcAft>
+                <a:spcPts val="0"/>
+              </a:spcAft>
+              <a:buSzPts val="1300"/>
+              <a:buChar char="●"/>
+            </a:pPr>
+            <a:r>
+              <a:rPr lang="pt-BR"/>
+              <a:t>2 com com 64 neurônios Relu</a:t>
+            </a:r>
+            <a:endParaRPr/>
+          </a:p>
+          <a:p>
+            <a:pPr indent="0" lvl="0" marL="0" rtl="0" algn="l">
+              <a:spcBef>
+                <a:spcPts val="1200"/>
+              </a:spcBef>
+              <a:spcAft>
+                <a:spcPts val="0"/>
+              </a:spcAft>
+              <a:buNone/>
+            </a:pPr>
+            <a:r>
+              <a:rPr lang="pt-BR"/>
+              <a:t>2 Camada de Pooling 2D:</a:t>
+            </a:r>
+            <a:endParaRPr/>
+          </a:p>
+          <a:p>
+            <a:pPr indent="0" lvl="0" marL="0" rtl="0" algn="l">
+              <a:spcBef>
+                <a:spcPts val="1500"/>
+              </a:spcBef>
+              <a:spcAft>
+                <a:spcPts val="0"/>
+              </a:spcAft>
+              <a:buNone/>
+            </a:pPr>
+            <a:r>
+              <a:rPr lang="pt-BR" sz="1200"/>
+              <a:t>Camadas Densas:</a:t>
+            </a:r>
+            <a:endParaRPr sz="1200"/>
+          </a:p>
+          <a:p>
+            <a:pPr indent="-304800" lvl="0" marL="457200" rtl="0" algn="l">
+              <a:spcBef>
+                <a:spcPts val="1500"/>
+              </a:spcBef>
+              <a:spcAft>
+                <a:spcPts val="0"/>
+              </a:spcAft>
+              <a:buSzPts val="1200"/>
+              <a:buChar char="●"/>
+            </a:pPr>
+            <a:r>
+              <a:rPr lang="pt-BR" sz="1200"/>
+              <a:t>Layers.Flatten() para conectar a camadas densas.</a:t>
+            </a:r>
+            <a:endParaRPr sz="1200"/>
+          </a:p>
+          <a:p>
+            <a:pPr indent="0" lvl="0" marL="0" rtl="0" algn="l">
+              <a:spcBef>
+                <a:spcPts val="1500"/>
+              </a:spcBef>
+              <a:spcAft>
+                <a:spcPts val="0"/>
+              </a:spcAft>
+              <a:buNone/>
+            </a:pPr>
+            <a:r>
+              <a:rPr lang="pt-BR" sz="1200"/>
+              <a:t>2 camadas densas com ReLU. </a:t>
+            </a:r>
+            <a:endParaRPr sz="1200"/>
+          </a:p>
+          <a:p>
+            <a:pPr indent="-304800" lvl="0" marL="457200" rtl="0" algn="l">
+              <a:spcBef>
+                <a:spcPts val="1500"/>
+              </a:spcBef>
+              <a:spcAft>
+                <a:spcPts val="0"/>
+              </a:spcAft>
+              <a:buSzPts val="1200"/>
+              <a:buChar char="●"/>
+            </a:pPr>
+            <a:r>
+              <a:rPr lang="pt-BR" sz="1200"/>
+              <a:t>64 neurônios.</a:t>
+            </a:r>
+            <a:endParaRPr sz="1200"/>
+          </a:p>
+          <a:p>
+            <a:pPr indent="-304800" lvl="0" marL="457200" rtl="0" algn="l">
+              <a:spcBef>
+                <a:spcPts val="0"/>
+              </a:spcBef>
+              <a:spcAft>
+                <a:spcPts val="0"/>
+              </a:spcAft>
+              <a:buSzPts val="1200"/>
+              <a:buChar char="●"/>
+            </a:pPr>
+            <a:r>
+              <a:rPr lang="pt-BR" sz="1200"/>
+              <a:t>10 neurônios.</a:t>
+            </a:r>
+            <a:endParaRPr sz="1200"/>
           </a:p>
         </p:txBody>
       </p:sp>
@@ -10952,18 +11247,17 @@
           <p:cNvPicPr preferRelativeResize="0"/>
           <p:nvPr/>
         </p:nvPicPr>
-        <p:blipFill>
+        <p:blipFill rotWithShape="1">
           <a:blip r:embed="rId3">
             <a:alphaModFix/>
           </a:blip>
-          <a:stretch>
-            <a:fillRect/>
-          </a:stretch>
+          <a:srcRect b="0" l="0" r="0" t="3100"/>
+          <a:stretch/>
         </p:blipFill>
         <p:spPr>
           <a:xfrm>
-            <a:off x="893850" y="778900"/>
-            <a:ext cx="7734034" cy="3457375"/>
+            <a:off x="2103163" y="720950"/>
+            <a:ext cx="4937675" cy="3701600"/>
           </a:xfrm>
           <a:prstGeom prst="rect">
             <a:avLst/>
@@ -11002,6 +11296,112 @@
       <p:pic>
         <p:nvPicPr>
           <p:cNvPr id="215" name="Google Shape;215;p26"/>
+          <p:cNvPicPr preferRelativeResize="0"/>
+          <p:nvPr/>
+        </p:nvPicPr>
+        <p:blipFill>
+          <a:blip r:embed="rId3">
+            <a:alphaModFix/>
+          </a:blip>
+          <a:stretch>
+            <a:fillRect/>
+          </a:stretch>
+        </p:blipFill>
+        <p:spPr>
+          <a:xfrm>
+            <a:off x="2515200" y="797038"/>
+            <a:ext cx="4623700" cy="3549425"/>
+          </a:xfrm>
+          <a:prstGeom prst="rect">
+            <a:avLst/>
+          </a:prstGeom>
+          <a:noFill/>
+          <a:ln>
+            <a:noFill/>
+          </a:ln>
+        </p:spPr>
+      </p:pic>
+    </p:spTree>
+  </p:cSld>
+  <p:clrMapOvr>
+    <a:masterClrMapping/>
+  </p:clrMapOvr>
+</p:sld>
+</file>
+
+<file path=ppt/slides/slide15.xml><?xml version="1.0" encoding="utf-8"?>
+<p:sld xmlns:a="http://schemas.openxmlformats.org/drawingml/2006/main" xmlns:r="http://schemas.openxmlformats.org/officeDocument/2006/relationships" xmlns:mc="http://schemas.openxmlformats.org/markup-compatibility/2006" xmlns:mv="urn:schemas-microsoft-com:mac:vml" xmlns:p="http://schemas.openxmlformats.org/presentationml/2006/main" xmlns:c="http://schemas.openxmlformats.org/drawingml/2006/chart" xmlns:dgm="http://schemas.openxmlformats.org/drawingml/2006/diagram" xmlns:o="urn:schemas-microsoft-com:office:office" xmlns:v="urn:schemas-microsoft-com:vml" xmlns:pvml="urn:schemas-microsoft-com:office:powerpoint" xmlns:com="http://schemas.openxmlformats.org/drawingml/2006/compatibility" xmlns:p14="http://schemas.microsoft.com/office/powerpoint/2010/main" xmlns:p15="http://schemas.microsoft.com/office/powerpoint/2012/main" xmlns:ahyp="http://schemas.microsoft.com/office/drawing/2018/hyperlinkcolor">
+  <p:cSld>
+    <p:spTree>
+      <p:nvGrpSpPr>
+        <p:cNvPr id="219" name="Shape 219"/>
+        <p:cNvGrpSpPr/>
+        <p:nvPr/>
+      </p:nvGrpSpPr>
+      <p:grpSpPr>
+        <a:xfrm>
+          <a:off x="0" y="0"/>
+          <a:ext cx="0" cy="0"/>
+          <a:chOff x="0" y="0"/>
+          <a:chExt cx="0" cy="0"/>
+        </a:xfrm>
+      </p:grpSpPr>
+      <p:pic>
+        <p:nvPicPr>
+          <p:cNvPr id="220" name="Google Shape;220;p27"/>
+          <p:cNvPicPr preferRelativeResize="0"/>
+          <p:nvPr/>
+        </p:nvPicPr>
+        <p:blipFill>
+          <a:blip r:embed="rId3">
+            <a:alphaModFix/>
+          </a:blip>
+          <a:stretch>
+            <a:fillRect/>
+          </a:stretch>
+        </p:blipFill>
+        <p:spPr>
+          <a:xfrm>
+            <a:off x="893850" y="778900"/>
+            <a:ext cx="7734034" cy="3457375"/>
+          </a:xfrm>
+          <a:prstGeom prst="rect">
+            <a:avLst/>
+          </a:prstGeom>
+          <a:noFill/>
+          <a:ln>
+            <a:noFill/>
+          </a:ln>
+        </p:spPr>
+      </p:pic>
+    </p:spTree>
+  </p:cSld>
+  <p:clrMapOvr>
+    <a:masterClrMapping/>
+  </p:clrMapOvr>
+</p:sld>
+</file>
+
+<file path=ppt/slides/slide16.xml><?xml version="1.0" encoding="utf-8"?>
+<p:sld xmlns:a="http://schemas.openxmlformats.org/drawingml/2006/main" xmlns:r="http://schemas.openxmlformats.org/officeDocument/2006/relationships" xmlns:mc="http://schemas.openxmlformats.org/markup-compatibility/2006" xmlns:mv="urn:schemas-microsoft-com:mac:vml" xmlns:p="http://schemas.openxmlformats.org/presentationml/2006/main" xmlns:c="http://schemas.openxmlformats.org/drawingml/2006/chart" xmlns:dgm="http://schemas.openxmlformats.org/drawingml/2006/diagram" xmlns:o="urn:schemas-microsoft-com:office:office" xmlns:v="urn:schemas-microsoft-com:vml" xmlns:pvml="urn:schemas-microsoft-com:office:powerpoint" xmlns:com="http://schemas.openxmlformats.org/drawingml/2006/compatibility" xmlns:p14="http://schemas.microsoft.com/office/powerpoint/2010/main" xmlns:p15="http://schemas.microsoft.com/office/powerpoint/2012/main" xmlns:ahyp="http://schemas.microsoft.com/office/drawing/2018/hyperlinkcolor">
+  <p:cSld>
+    <p:spTree>
+      <p:nvGrpSpPr>
+        <p:cNvPr id="224" name="Shape 224"/>
+        <p:cNvGrpSpPr/>
+        <p:nvPr/>
+      </p:nvGrpSpPr>
+      <p:grpSpPr>
+        <a:xfrm>
+          <a:off x="0" y="0"/>
+          <a:ext cx="0" cy="0"/>
+          <a:chOff x="0" y="0"/>
+          <a:chExt cx="0" cy="0"/>
+        </a:xfrm>
+      </p:grpSpPr>
+      <p:pic>
+        <p:nvPicPr>
+          <p:cNvPr id="225" name="Google Shape;225;p28"/>
           <p:cNvPicPr preferRelativeResize="0"/>
           <p:nvPr/>
         </p:nvPicPr>
@@ -11102,8 +11502,8 @@
         </p:nvSpPr>
         <p:spPr>
           <a:xfrm>
-            <a:off x="1297500" y="1567550"/>
-            <a:ext cx="7038900" cy="3141300"/>
+            <a:off x="1297500" y="1393875"/>
+            <a:ext cx="2991000" cy="3141300"/>
           </a:xfrm>
           <a:prstGeom prst="rect">
             <a:avLst/>
@@ -11272,6 +11672,110 @@
           </a:p>
         </p:txBody>
       </p:sp>
+      <p:sp>
+        <p:nvSpPr>
+          <p:cNvPr id="142" name="Google Shape;142;p14"/>
+          <p:cNvSpPr txBox="1"/>
+          <p:nvPr>
+            <p:ph idx="1" type="body"/>
+          </p:nvPr>
+        </p:nvSpPr>
+        <p:spPr>
+          <a:xfrm>
+            <a:off x="5226650" y="1307850"/>
+            <a:ext cx="2991000" cy="3141300"/>
+          </a:xfrm>
+          <a:prstGeom prst="rect">
+            <a:avLst/>
+          </a:prstGeom>
+        </p:spPr>
+        <p:txBody>
+          <a:bodyPr anchorCtr="0" anchor="t" bIns="91425" lIns="91425" spcFirstLastPara="1" rIns="91425" wrap="square" tIns="91425">
+            <a:normAutofit/>
+          </a:bodyPr>
+          <a:lstStyle/>
+          <a:p>
+            <a:pPr indent="0" lvl="0" marL="0" rtl="0" algn="l">
+              <a:lnSpc>
+                <a:spcPct val="135714"/>
+              </a:lnSpc>
+              <a:spcBef>
+                <a:spcPts val="0"/>
+              </a:spcBef>
+              <a:spcAft>
+                <a:spcPts val="0"/>
+              </a:spcAft>
+              <a:buNone/>
+            </a:pPr>
+            <a:r>
+              <a:rPr lang="pt-BR"/>
+              <a:t>Tratamento:</a:t>
+            </a:r>
+            <a:endParaRPr/>
+          </a:p>
+          <a:p>
+            <a:pPr indent="0" lvl="0" marL="0" rtl="0" algn="l">
+              <a:lnSpc>
+                <a:spcPct val="135714"/>
+              </a:lnSpc>
+              <a:spcBef>
+                <a:spcPts val="0"/>
+              </a:spcBef>
+              <a:spcAft>
+                <a:spcPts val="0"/>
+              </a:spcAft>
+              <a:buNone/>
+            </a:pPr>
+            <a:r>
+              <a:rPr lang="pt-BR"/>
+              <a:t>Remoção: </a:t>
+            </a:r>
+            <a:r>
+              <a:rPr lang="pt-BR"/>
+              <a:t>Name, Ticket e Cabin </a:t>
+            </a:r>
+            <a:endParaRPr/>
+          </a:p>
+          <a:p>
+            <a:pPr indent="0" lvl="0" marL="0" rtl="0" algn="l">
+              <a:lnSpc>
+                <a:spcPct val="135714"/>
+              </a:lnSpc>
+              <a:spcBef>
+                <a:spcPts val="0"/>
+              </a:spcBef>
+              <a:spcAft>
+                <a:spcPts val="0"/>
+              </a:spcAft>
+              <a:buNone/>
+            </a:pPr>
+            <a:r>
+              <a:rPr lang="pt-BR"/>
+              <a:t>Media: Age e Fare</a:t>
+            </a:r>
+            <a:endParaRPr/>
+          </a:p>
+          <a:p>
+            <a:pPr indent="0" lvl="0" marL="0" rtl="0" algn="l">
+              <a:lnSpc>
+                <a:spcPct val="135714"/>
+              </a:lnSpc>
+              <a:spcBef>
+                <a:spcPts val="0"/>
+              </a:spcBef>
+              <a:spcAft>
+                <a:spcPts val="0"/>
+              </a:spcAft>
+              <a:buNone/>
+            </a:pPr>
+            <a:r>
+              <a:rPr lang="pt-BR"/>
+              <a:t>Nova coluna: Pclass, Sex e Embarked.</a:t>
+            </a:r>
+            <a:endParaRPr/>
+          </a:p>
+        </p:txBody>
+      </p:sp>
     </p:spTree>
   </p:cSld>
   <p:clrMapOvr>
@@ -11285,7 +11789,7 @@
   <p:cSld>
     <p:spTree>
       <p:nvGrpSpPr>
-        <p:cNvPr id="145" name="Shape 145"/>
+        <p:cNvPr id="146" name="Shape 146"/>
         <p:cNvGrpSpPr/>
         <p:nvPr/>
       </p:nvGrpSpPr>
@@ -11297,46 +11801,6 @@
           <a:chExt cx="0" cy="0"/>
         </a:xfrm>
       </p:grpSpPr>
-      <p:sp>
-        <p:nvSpPr>
-          <p:cNvPr id="146" name="Google Shape;146;p15"/>
-          <p:cNvSpPr txBox="1"/>
-          <p:nvPr>
-            <p:ph type="title"/>
-          </p:nvPr>
-        </p:nvSpPr>
-        <p:spPr>
-          <a:xfrm>
-            <a:off x="1297500" y="180000"/>
-            <a:ext cx="7038900" cy="914100"/>
-          </a:xfrm>
-          <a:prstGeom prst="rect">
-            <a:avLst/>
-          </a:prstGeom>
-        </p:spPr>
-        <p:txBody>
-          <a:bodyPr anchorCtr="0" anchor="t" bIns="91425" lIns="91425" spcFirstLastPara="1" rIns="91425" wrap="square" tIns="91425">
-            <a:normAutofit/>
-          </a:bodyPr>
-          <a:lstStyle/>
-          <a:p>
-            <a:pPr indent="0" lvl="0" marL="0" rtl="0" algn="l">
-              <a:spcBef>
-                <a:spcPts val="0"/>
-              </a:spcBef>
-              <a:spcAft>
-                <a:spcPts val="0"/>
-              </a:spcAft>
-              <a:buNone/>
-            </a:pPr>
-            <a:r>
-              <a:rPr lang="pt-BR"/>
-              <a:t>Questão 1</a:t>
-            </a:r>
-            <a:endParaRPr/>
-          </a:p>
-        </p:txBody>
-      </p:sp>
       <p:pic>
         <p:nvPicPr>
           <p:cNvPr id="147" name="Google Shape;147;p15"/>
@@ -11347,13 +11811,13 @@
           <a:blip r:embed="rId3">
             <a:alphaModFix/>
           </a:blip>
-          <a:srcRect b="50561" l="0" r="0" t="0"/>
+          <a:srcRect b="31105" l="0" r="0" t="0"/>
           <a:stretch/>
         </p:blipFill>
         <p:spPr>
           <a:xfrm>
-            <a:off x="1018763" y="1422800"/>
-            <a:ext cx="7106474" cy="2805550"/>
+            <a:off x="1021800" y="1580806"/>
+            <a:ext cx="7100399" cy="1981900"/>
           </a:xfrm>
           <a:prstGeom prst="rect">
             <a:avLst/>
@@ -11439,13 +11903,13 @@
           <a:blip r:embed="rId3">
             <a:alphaModFix/>
           </a:blip>
-          <a:srcRect b="0" l="0" r="0" t="48054"/>
+          <a:srcRect b="50561" l="0" r="0" t="0"/>
           <a:stretch/>
         </p:blipFill>
         <p:spPr>
           <a:xfrm>
-            <a:off x="1160950" y="1365125"/>
-            <a:ext cx="6822099" cy="2829849"/>
+            <a:off x="1018763" y="1422800"/>
+            <a:ext cx="7106474" cy="2805550"/>
           </a:xfrm>
           <a:prstGeom prst="rect">
             <a:avLst/>
@@ -11527,18 +11991,17 @@
           <p:cNvPicPr preferRelativeResize="0"/>
           <p:nvPr/>
         </p:nvPicPr>
-        <p:blipFill>
+        <p:blipFill rotWithShape="1">
           <a:blip r:embed="rId3">
             <a:alphaModFix/>
           </a:blip>
-          <a:stretch>
-            <a:fillRect/>
-          </a:stretch>
+          <a:srcRect b="0" l="0" r="0" t="48054"/>
+          <a:stretch/>
         </p:blipFill>
         <p:spPr>
           <a:xfrm>
-            <a:off x="1515100" y="859075"/>
-            <a:ext cx="4453529" cy="3744600"/>
+            <a:off x="1160950" y="1365125"/>
+            <a:ext cx="6822099" cy="2829849"/>
           </a:xfrm>
           <a:prstGeom prst="rect">
             <a:avLst/>
@@ -11630,8 +12093,8 @@
         </p:blipFill>
         <p:spPr>
           <a:xfrm>
-            <a:off x="2189775" y="1046100"/>
-            <a:ext cx="4374759" cy="3744600"/>
+            <a:off x="2211875" y="699450"/>
+            <a:ext cx="4720249" cy="3960200"/>
           </a:xfrm>
           <a:prstGeom prst="rect">
             <a:avLst/>
@@ -11677,7 +12140,7 @@
         </p:nvSpPr>
         <p:spPr>
           <a:xfrm>
-            <a:off x="1297500" y="393750"/>
+            <a:off x="1297500" y="180000"/>
             <a:ext cx="7038900" cy="914100"/>
           </a:xfrm>
           <a:prstGeom prst="rect">
@@ -11701,201 +12164,39 @@
             </a:pPr>
             <a:r>
               <a:rPr lang="pt-BR"/>
-              <a:t>Questão 2 MNIST  - CNN </a:t>
+              <a:t>Questão 1</a:t>
             </a:r>
             <a:endParaRPr/>
           </a:p>
         </p:txBody>
       </p:sp>
-      <p:sp>
-        <p:nvSpPr>
+      <p:pic>
+        <p:nvPicPr>
           <p:cNvPr id="171" name="Google Shape;171;p19"/>
-          <p:cNvSpPr txBox="1"/>
-          <p:nvPr>
-            <p:ph idx="1" type="body"/>
-          </p:nvPr>
-        </p:nvSpPr>
+          <p:cNvPicPr preferRelativeResize="0"/>
+          <p:nvPr/>
+        </p:nvPicPr>
+        <p:blipFill rotWithShape="1">
+          <a:blip r:embed="rId3">
+            <a:alphaModFix/>
+          </a:blip>
+          <a:srcRect b="2028" l="1204" r="2400" t="0"/>
+          <a:stretch/>
+        </p:blipFill>
         <p:spPr>
           <a:xfrm>
-            <a:off x="1097125" y="1142275"/>
-            <a:ext cx="7038900" cy="3513600"/>
+            <a:off x="2424800" y="1094100"/>
+            <a:ext cx="4241700" cy="3668651"/>
           </a:xfrm>
           <a:prstGeom prst="rect">
             <a:avLst/>
           </a:prstGeom>
+          <a:noFill/>
+          <a:ln>
+            <a:noFill/>
+          </a:ln>
         </p:spPr>
-        <p:txBody>
-          <a:bodyPr anchorCtr="0" anchor="t" bIns="91425" lIns="91425" spcFirstLastPara="1" rIns="91425" wrap="square" tIns="91425">
-            <a:normAutofit lnSpcReduction="10000"/>
-          </a:bodyPr>
-          <a:lstStyle/>
-          <a:p>
-            <a:pPr indent="0" lvl="0" marL="0" rtl="0" algn="l">
-              <a:spcBef>
-                <a:spcPts val="0"/>
-              </a:spcBef>
-              <a:spcAft>
-                <a:spcPts val="0"/>
-              </a:spcAft>
-              <a:buNone/>
-            </a:pPr>
-            <a:r>
-              <a:rPr lang="pt-BR"/>
-              <a:t>Épocas</a:t>
-            </a:r>
-            <a:r>
-              <a:rPr lang="pt-BR"/>
-              <a:t>: 30</a:t>
-            </a:r>
-            <a:endParaRPr/>
-          </a:p>
-          <a:p>
-            <a:pPr indent="0" lvl="0" marL="0" rtl="0" algn="l">
-              <a:spcBef>
-                <a:spcPts val="1200"/>
-              </a:spcBef>
-              <a:spcAft>
-                <a:spcPts val="0"/>
-              </a:spcAft>
-              <a:buNone/>
-            </a:pPr>
-            <a:r>
-              <a:rPr lang="pt-BR"/>
-              <a:t>TensorFlow/Keras</a:t>
-            </a:r>
-            <a:endParaRPr/>
-          </a:p>
-          <a:p>
-            <a:pPr indent="0" lvl="0" marL="0" rtl="0" algn="l">
-              <a:spcBef>
-                <a:spcPts val="1200"/>
-              </a:spcBef>
-              <a:spcAft>
-                <a:spcPts val="0"/>
-              </a:spcAft>
-              <a:buNone/>
-            </a:pPr>
-            <a:r>
-              <a:rPr lang="pt-BR"/>
-              <a:t>2 Camada Convolucional 2D (Conv2D) :</a:t>
-            </a:r>
-            <a:endParaRPr/>
-          </a:p>
-          <a:p>
-            <a:pPr indent="-311150" lvl="0" marL="457200" rtl="0" algn="l">
-              <a:spcBef>
-                <a:spcPts val="1200"/>
-              </a:spcBef>
-              <a:spcAft>
-                <a:spcPts val="0"/>
-              </a:spcAft>
-              <a:buSzPts val="1300"/>
-              <a:buChar char="●"/>
-            </a:pPr>
-            <a:r>
-              <a:rPr lang="pt-BR"/>
-              <a:t>1 com 32 neurônios Relu</a:t>
-            </a:r>
-            <a:endParaRPr/>
-          </a:p>
-          <a:p>
-            <a:pPr indent="-311150" lvl="0" marL="457200" rtl="0" algn="l">
-              <a:spcBef>
-                <a:spcPts val="0"/>
-              </a:spcBef>
-              <a:spcAft>
-                <a:spcPts val="0"/>
-              </a:spcAft>
-              <a:buSzPts val="1300"/>
-              <a:buChar char="●"/>
-            </a:pPr>
-            <a:r>
-              <a:rPr lang="pt-BR"/>
-              <a:t>1 com com 64 neurônios Relu</a:t>
-            </a:r>
-            <a:endParaRPr/>
-          </a:p>
-          <a:p>
-            <a:pPr indent="0" lvl="0" marL="0" rtl="0" algn="l">
-              <a:spcBef>
-                <a:spcPts val="1200"/>
-              </a:spcBef>
-              <a:spcAft>
-                <a:spcPts val="0"/>
-              </a:spcAft>
-              <a:buNone/>
-            </a:pPr>
-            <a:r>
-              <a:rPr lang="pt-BR"/>
-              <a:t>2 Camada de Pooling 2D:</a:t>
-            </a:r>
-            <a:endParaRPr/>
-          </a:p>
-          <a:p>
-            <a:pPr indent="0" lvl="0" marL="0" rtl="0" algn="l">
-              <a:spcBef>
-                <a:spcPts val="1200"/>
-              </a:spcBef>
-              <a:spcAft>
-                <a:spcPts val="0"/>
-              </a:spcAft>
-              <a:buNone/>
-            </a:pPr>
-            <a:r>
-              <a:rPr lang="pt-BR"/>
-              <a:t>1 Camada de Achatamento (Flatten):</a:t>
-            </a:r>
-            <a:endParaRPr/>
-          </a:p>
-          <a:p>
-            <a:pPr indent="0" lvl="0" marL="0" rtl="0" algn="l">
-              <a:spcBef>
-                <a:spcPts val="1200"/>
-              </a:spcBef>
-              <a:spcAft>
-                <a:spcPts val="0"/>
-              </a:spcAft>
-              <a:buNone/>
-            </a:pPr>
-            <a:r>
-              <a:rPr lang="pt-BR"/>
-              <a:t>1 Camada com 128 neurônios Relu:</a:t>
-            </a:r>
-            <a:endParaRPr/>
-          </a:p>
-          <a:p>
-            <a:pPr indent="0" lvl="0" marL="0" rtl="0" algn="l">
-              <a:spcBef>
-                <a:spcPts val="1200"/>
-              </a:spcBef>
-              <a:spcAft>
-                <a:spcPts val="0"/>
-              </a:spcAft>
-              <a:buNone/>
-            </a:pPr>
-            <a:r>
-              <a:rPr lang="pt-BR"/>
-              <a:t>1 Camada com 10 neurônios softmax.</a:t>
-            </a:r>
-            <a:endParaRPr/>
-          </a:p>
-          <a:p>
-            <a:pPr indent="0" lvl="0" marL="0" rtl="0" algn="l">
-              <a:spcBef>
-                <a:spcPts val="1200"/>
-              </a:spcBef>
-              <a:spcAft>
-                <a:spcPts val="1200"/>
-              </a:spcAft>
-              <a:buNone/>
-            </a:pPr>
-            <a:r>
-              <a:t/>
-            </a:r>
-            <a:endParaRPr/>
-          </a:p>
-        </p:txBody>
-      </p:sp>
+      </p:pic>
     </p:spTree>
   </p:cSld>
   <p:clrMapOvr>
@@ -11940,7 +12241,7 @@
         </p:spPr>
         <p:txBody>
           <a:bodyPr anchorCtr="0" anchor="t" bIns="91425" lIns="91425" spcFirstLastPara="1" rIns="91425" wrap="square" tIns="91425">
-            <a:normAutofit fontScale="90000"/>
+            <a:normAutofit/>
           </a:bodyPr>
           <a:lstStyle/>
           <a:p>
@@ -11955,23 +12256,7 @@
             </a:pPr>
             <a:r>
               <a:rPr lang="pt-BR"/>
-              <a:t>Questão 2 </a:t>
-            </a:r>
-            <a:r>
-              <a:rPr lang="pt-BR"/>
-              <a:t>MNIST  - </a:t>
-            </a:r>
-            <a:r>
-              <a:rPr lang="pt-BR"/>
-              <a:t>Percepton de </a:t>
-            </a:r>
-            <a:r>
-              <a:rPr lang="pt-BR"/>
-              <a:t>Multicamadas</a:t>
-            </a:r>
-            <a:r>
-              <a:rPr lang="pt-BR"/>
-              <a:t> </a:t>
+              <a:t>Questão 2 MNIST  - CNN </a:t>
             </a:r>
             <a:endParaRPr/>
           </a:p>
@@ -11996,7 +12281,7 @@
         </p:spPr>
         <p:txBody>
           <a:bodyPr anchorCtr="0" anchor="t" bIns="91425" lIns="91425" spcFirstLastPara="1" rIns="91425" wrap="square" tIns="91425">
-            <a:normAutofit/>
+            <a:normAutofit lnSpcReduction="10000"/>
           </a:bodyPr>
           <a:lstStyle/>
           <a:p>
@@ -12011,7 +12296,11 @@
             </a:pPr>
             <a:r>
               <a:rPr lang="pt-BR"/>
-              <a:t>Épocas: 30</a:t>
+              <a:t>Épocas</a:t>
+            </a:r>
+            <a:r>
+              <a:rPr lang="pt-BR"/>
+              <a:t>: 30</a:t>
             </a:r>
             <a:endParaRPr/>
           </a:p>
@@ -12043,7 +12332,41 @@
             </a:pPr>
             <a:r>
               <a:rPr lang="pt-BR"/>
-              <a:t>1 Camada 64 neurônios  ReLu:</a:t>
+              <a:t>2 Camada Convolucional 2D (Conv2D) :</a:t>
+            </a:r>
+            <a:endParaRPr/>
+          </a:p>
+          <a:p>
+            <a:pPr indent="-311150" lvl="0" marL="457200" rtl="0" algn="l">
+              <a:spcBef>
+                <a:spcPts val="1200"/>
+              </a:spcBef>
+              <a:spcAft>
+                <a:spcPts val="0"/>
+              </a:spcAft>
+              <a:buSzPts val="1300"/>
+              <a:buChar char="●"/>
+            </a:pPr>
+            <a:r>
+              <a:rPr lang="pt-BR"/>
+              <a:t>1 com 32 neurônios Relu</a:t>
+            </a:r>
+            <a:endParaRPr/>
+          </a:p>
+          <a:p>
+            <a:pPr indent="-311150" lvl="0" marL="457200" rtl="0" algn="l">
+              <a:spcBef>
+                <a:spcPts val="0"/>
+              </a:spcBef>
+              <a:spcAft>
+                <a:spcPts val="0"/>
+              </a:spcAft>
+              <a:buSzPts val="1300"/>
+              <a:buChar char="●"/>
+            </a:pPr>
+            <a:r>
+              <a:rPr lang="pt-BR"/>
+              <a:t>1 com com 64 neurônios Relu</a:t>
             </a:r>
             <a:endParaRPr/>
           </a:p>
@@ -12059,15 +12382,39 @@
             </a:pPr>
             <a:r>
               <a:rPr lang="pt-BR"/>
-              <a:t>1 Camada de 32 </a:t>
+              <a:t>2 Camada de Pooling 2D:</a:t>
             </a:r>
+            <a:endParaRPr/>
+          </a:p>
+          <a:p>
+            <a:pPr indent="0" lvl="0" marL="0" rtl="0" algn="l">
+              <a:spcBef>
+                <a:spcPts val="1200"/>
+              </a:spcBef>
+              <a:spcAft>
+                <a:spcPts val="0"/>
+              </a:spcAft>
+              <a:buNone/>
+            </a:pPr>
             <a:r>
               <a:rPr lang="pt-BR"/>
-              <a:t>neurônios ReLu</a:t>
+              <a:t>1 Camada de Achatamento (Flatten):</a:t>
             </a:r>
+            <a:endParaRPr/>
+          </a:p>
+          <a:p>
+            <a:pPr indent="0" lvl="0" marL="0" rtl="0" algn="l">
+              <a:spcBef>
+                <a:spcPts val="1200"/>
+              </a:spcBef>
+              <a:spcAft>
+                <a:spcPts val="0"/>
+              </a:spcAft>
+              <a:buNone/>
+            </a:pPr>
             <a:r>
               <a:rPr lang="pt-BR"/>
-              <a:t>:</a:t>
+              <a:t>1 Camada com 128 neurônios Relu:</a:t>
             </a:r>
             <a:endParaRPr/>
           </a:p>
@@ -12148,7 +12495,7 @@
         </p:spPr>
         <p:txBody>
           <a:bodyPr anchorCtr="0" anchor="t" bIns="91425" lIns="91425" spcFirstLastPara="1" rIns="91425" wrap="square" tIns="91425">
-            <a:normAutofit/>
+            <a:normAutofit fontScale="90000"/>
           </a:bodyPr>
           <a:lstStyle/>
           <a:p>
@@ -12165,114 +12512,21 @@
               <a:rPr lang="pt-BR"/>
               <a:t>Questão 2 </a:t>
             </a:r>
-            <a:endParaRPr/>
-          </a:p>
-        </p:txBody>
-      </p:sp>
-      <p:pic>
-        <p:nvPicPr>
-          <p:cNvPr id="183" name="Google Shape;183;p21"/>
-          <p:cNvPicPr preferRelativeResize="0"/>
-          <p:nvPr/>
-        </p:nvPicPr>
-        <p:blipFill>
-          <a:blip r:embed="rId3">
-            <a:alphaModFix/>
-          </a:blip>
-          <a:stretch>
-            <a:fillRect/>
-          </a:stretch>
-        </p:blipFill>
-        <p:spPr>
-          <a:xfrm>
-            <a:off x="419600" y="1307850"/>
-            <a:ext cx="4007515" cy="3530850"/>
-          </a:xfrm>
-          <a:prstGeom prst="rect">
-            <a:avLst/>
-          </a:prstGeom>
-          <a:noFill/>
-          <a:ln>
-            <a:noFill/>
-          </a:ln>
-        </p:spPr>
-      </p:pic>
-      <p:pic>
-        <p:nvPicPr>
-          <p:cNvPr id="184" name="Google Shape;184;p21"/>
-          <p:cNvPicPr preferRelativeResize="0"/>
-          <p:nvPr/>
-        </p:nvPicPr>
-        <p:blipFill>
-          <a:blip r:embed="rId4">
-            <a:alphaModFix/>
-          </a:blip>
-          <a:stretch>
-            <a:fillRect/>
-          </a:stretch>
-        </p:blipFill>
-        <p:spPr>
-          <a:xfrm>
-            <a:off x="4753190" y="1307850"/>
-            <a:ext cx="4009911" cy="3530851"/>
-          </a:xfrm>
-          <a:prstGeom prst="rect">
-            <a:avLst/>
-          </a:prstGeom>
-          <a:noFill/>
-          <a:ln>
-            <a:noFill/>
-          </a:ln>
-        </p:spPr>
-      </p:pic>
-      <p:sp>
-        <p:nvSpPr>
-          <p:cNvPr id="185" name="Google Shape;185;p21"/>
-          <p:cNvSpPr txBox="1"/>
-          <p:nvPr/>
-        </p:nvSpPr>
-        <p:spPr>
-          <a:xfrm>
-            <a:off x="694700" y="961650"/>
-            <a:ext cx="3000000" cy="346200"/>
-          </a:xfrm>
-          <a:prstGeom prst="rect">
-            <a:avLst/>
-          </a:prstGeom>
-          <a:noFill/>
-          <a:ln>
-            <a:noFill/>
-          </a:ln>
-        </p:spPr>
-        <p:txBody>
-          <a:bodyPr anchorCtr="0" anchor="t" bIns="91425" lIns="91425" spcFirstLastPara="1" rIns="91425" wrap="square" tIns="91425">
-            <a:spAutoFit/>
-          </a:bodyPr>
-          <a:lstStyle/>
-          <a:p>
-            <a:pPr indent="0" lvl="0" marL="0" rtl="0" algn="l">
-              <a:spcBef>
-                <a:spcPts val="0"/>
-              </a:spcBef>
-              <a:spcAft>
-                <a:spcPts val="0"/>
-              </a:spcAft>
-              <a:buNone/>
-            </a:pPr>
             <a:r>
-              <a:rPr lang="pt-BR" sz="1050">
-                <a:solidFill>
-                  <a:srgbClr val="D5D5D5"/>
-                </a:solidFill>
-                <a:highlight>
-                  <a:srgbClr val="383838"/>
-                </a:highlight>
-                <a:latin typeface="Courier New"/>
-                <a:ea typeface="Courier New"/>
-                <a:cs typeface="Courier New"/>
-                <a:sym typeface="Courier New"/>
-              </a:rPr>
-              <a:t>Acurácia: 99.06%</a:t>
+              <a:rPr lang="pt-BR"/>
+              <a:t>MNIST  - </a:t>
+            </a:r>
+            <a:r>
+              <a:rPr lang="pt-BR"/>
+              <a:t>Percepton de </a:t>
+            </a:r>
+            <a:r>
+              <a:rPr lang="pt-BR"/>
+              <a:t>Multicamadas</a:t>
+            </a:r>
+            <a:r>
+              <a:rPr lang="pt-BR"/>
+              <a:t> </a:t>
             </a:r>
             <a:endParaRPr/>
           </a:p>
@@ -12280,26 +12534,24 @@
       </p:sp>
       <p:sp>
         <p:nvSpPr>
-          <p:cNvPr id="186" name="Google Shape;186;p21"/>
+          <p:cNvPr id="183" name="Google Shape;183;p21"/>
           <p:cNvSpPr txBox="1"/>
-          <p:nvPr/>
+          <p:nvPr>
+            <p:ph idx="1" type="body"/>
+          </p:nvPr>
         </p:nvSpPr>
         <p:spPr>
           <a:xfrm>
-            <a:off x="5258150" y="928500"/>
-            <a:ext cx="3000000" cy="346200"/>
+            <a:off x="1097125" y="1142275"/>
+            <a:ext cx="7038900" cy="3513600"/>
           </a:xfrm>
           <a:prstGeom prst="rect">
             <a:avLst/>
           </a:prstGeom>
-          <a:noFill/>
-          <a:ln>
-            <a:noFill/>
-          </a:ln>
         </p:spPr>
         <p:txBody>
           <a:bodyPr anchorCtr="0" anchor="t" bIns="91425" lIns="91425" spcFirstLastPara="1" rIns="91425" wrap="square" tIns="91425">
-            <a:spAutoFit/>
+            <a:normAutofit/>
           </a:bodyPr>
           <a:lstStyle/>
           <a:p>
@@ -12313,19 +12565,95 @@
               <a:buNone/>
             </a:pPr>
             <a:r>
-              <a:rPr lang="pt-BR" sz="1050">
-                <a:solidFill>
-                  <a:srgbClr val="D5D5D5"/>
-                </a:solidFill>
-                <a:highlight>
-                  <a:srgbClr val="383838"/>
-                </a:highlight>
-                <a:latin typeface="Courier New"/>
-                <a:ea typeface="Courier New"/>
-                <a:cs typeface="Courier New"/>
-                <a:sym typeface="Courier New"/>
-              </a:rPr>
-              <a:t>Acurácia: 97.43%</a:t>
+              <a:rPr lang="pt-BR"/>
+              <a:t>Épocas: 30</a:t>
+            </a:r>
+            <a:endParaRPr/>
+          </a:p>
+          <a:p>
+            <a:pPr indent="0" lvl="0" marL="0" rtl="0" algn="l">
+              <a:spcBef>
+                <a:spcPts val="1200"/>
+              </a:spcBef>
+              <a:spcAft>
+                <a:spcPts val="0"/>
+              </a:spcAft>
+              <a:buNone/>
+            </a:pPr>
+            <a:r>
+              <a:rPr lang="pt-BR"/>
+              <a:t>TensorFlow/Keras</a:t>
+            </a:r>
+            <a:endParaRPr/>
+          </a:p>
+          <a:p>
+            <a:pPr indent="0" lvl="0" marL="0" rtl="0" algn="l">
+              <a:spcBef>
+                <a:spcPts val="1200"/>
+              </a:spcBef>
+              <a:spcAft>
+                <a:spcPts val="0"/>
+              </a:spcAft>
+              <a:buNone/>
+            </a:pPr>
+            <a:r>
+              <a:rPr lang="pt-BR"/>
+              <a:t>1 Camada 64 neurônios  ReLu:</a:t>
+            </a:r>
+            <a:endParaRPr/>
+          </a:p>
+          <a:p>
+            <a:pPr indent="0" lvl="0" marL="0" rtl="0" algn="l">
+              <a:spcBef>
+                <a:spcPts val="1200"/>
+              </a:spcBef>
+              <a:spcAft>
+                <a:spcPts val="0"/>
+              </a:spcAft>
+              <a:buNone/>
+            </a:pPr>
+            <a:r>
+              <a:rPr lang="pt-BR"/>
+              <a:t>1 Camada de 32 </a:t>
+            </a:r>
+            <a:r>
+              <a:rPr lang="pt-BR"/>
+              <a:t>neurônios ReLu</a:t>
+            </a:r>
+            <a:r>
+              <a:rPr lang="pt-BR"/>
+              <a:t>:</a:t>
+            </a:r>
+            <a:endParaRPr/>
+          </a:p>
+          <a:p>
+            <a:pPr indent="0" lvl="0" marL="0" rtl="0" algn="l">
+              <a:spcBef>
+                <a:spcPts val="1200"/>
+              </a:spcBef>
+              <a:spcAft>
+                <a:spcPts val="0"/>
+              </a:spcAft>
+              <a:buNone/>
+            </a:pPr>
+            <a:r>
+              <a:rPr lang="pt-BR"/>
+              <a:t>1 Camada com 10 neurônios softmax.</a:t>
+            </a:r>
+            <a:endParaRPr/>
+          </a:p>
+          <a:p>
+            <a:pPr indent="0" lvl="0" marL="0" rtl="0" algn="l">
+              <a:spcBef>
+                <a:spcPts val="1200"/>
+              </a:spcBef>
+              <a:spcAft>
+                <a:spcPts val="1200"/>
+              </a:spcAft>
+              <a:buNone/>
+            </a:pPr>
+            <a:r>
+              <a:t/>
             </a:r>
             <a:endParaRPr/>
           </a:p>
@@ -12340,6 +12668,285 @@
 </file>
 
 <file path=ppt/theme/theme1.xml><?xml version="1.0" encoding="utf-8"?>
+<a:theme xmlns:a="http://schemas.openxmlformats.org/drawingml/2006/main" xmlns:r="http://schemas.openxmlformats.org/officeDocument/2006/relationships" name="Focus">
+  <a:themeElements>
+    <a:clrScheme name="Focus">
+      <a:dk1>
+        <a:srgbClr val="1B212C"/>
+      </a:dk1>
+      <a:lt1>
+        <a:srgbClr val="FFFFFF"/>
+      </a:lt1>
+      <a:dk2>
+        <a:srgbClr val="D9D9D9"/>
+      </a:dk2>
+      <a:lt2>
+        <a:srgbClr val="82C7A5"/>
+      </a:lt2>
+      <a:accent1>
+        <a:srgbClr val="0145AC"/>
+      </a:accent1>
+      <a:accent2>
+        <a:srgbClr val="EECE1A"/>
+      </a:accent2>
+      <a:accent3>
+        <a:srgbClr val="4E5567"/>
+      </a:accent3>
+      <a:accent4>
+        <a:srgbClr val="F4D6AD"/>
+      </a:accent4>
+      <a:accent5>
+        <a:srgbClr val="7890CD"/>
+      </a:accent5>
+      <a:accent6>
+        <a:srgbClr val="F15E22"/>
+      </a:accent6>
+      <a:hlink>
+        <a:srgbClr val="7890CD"/>
+      </a:hlink>
+      <a:folHlink>
+        <a:srgbClr val="7890CD"/>
+      </a:folHlink>
+    </a:clrScheme>
+    <a:fontScheme name="Office">
+      <a:majorFont>
+        <a:latin typeface="Arial"/>
+        <a:ea typeface=""/>
+        <a:cs typeface=""/>
+        <a:font script="Jpan" typeface="ＭＳ Ｐゴシック"/>
+        <a:font script="Hang" typeface="맑은 고딕"/>
+        <a:font script="Hans" typeface="宋体"/>
+        <a:font script="Hant" typeface="新細明體"/>
+        <a:font script="Arab" typeface="Times New Roman"/>
+        <a:font script="Hebr" typeface="Times New Roman"/>
+        <a:font script="Thai" typeface="Angsana New"/>
+        <a:font script="Ethi" typeface="Nyala"/>
+        <a:font script="Beng" typeface="Vrinda"/>
+        <a:font script="Gujr" typeface="Shruti"/>
+        <a:font script="Khmr" typeface="MoolBoran"/>
+        <a:font script="Knda" typeface="Tunga"/>
+        <a:font script="Guru" typeface="Raavi"/>
+        <a:font script="Cans" typeface="Euphemia"/>
+        <a:font script="Cher" typeface="Plantagenet Cherokee"/>
+        <a:font script="Yiii" typeface="Microsoft Yi Baiti"/>
+        <a:font script="Tibt" typeface="Microsoft Himalaya"/>
+        <a:font script="Thaa" typeface="MV Boli"/>
+        <a:font script="Deva" typeface="Mangal"/>
+        <a:font script="Telu" typeface="Gautami"/>
+        <a:font script="Taml" typeface="Latha"/>
+        <a:font script="Syrc" typeface="Estrangelo Edessa"/>
+        <a:font script="Orya" typeface="Kalinga"/>
+        <a:font script="Mlym" typeface="Kartika"/>
+        <a:font script="Laoo" typeface="DokChampa"/>
+        <a:font script="Sinh" typeface="Iskoola Pota"/>
+        <a:font script="Mong" typeface="Mongolian Baiti"/>
+        <a:font script="Viet" typeface="Times New Roman"/>
+        <a:font script="Uigh" typeface="Microsoft Uighur"/>
+        <a:font script="Geor" typeface="Sylfaen"/>
+      </a:majorFont>
+      <a:minorFont>
+        <a:latin typeface="Arial"/>
+        <a:ea typeface=""/>
+        <a:cs typeface=""/>
+        <a:font script="Jpan" typeface="ＭＳ Ｐゴシック"/>
+        <a:font script="Hang" typeface="맑은 고딕"/>
+        <a:font script="Hans" typeface="宋体"/>
+        <a:font script="Hant" typeface="新細明體"/>
+        <a:font script="Arab" typeface="Arial"/>
+        <a:font script="Hebr" typeface="Arial"/>
+        <a:font script="Thai" typeface="Cordia New"/>
+        <a:font script="Ethi" typeface="Nyala"/>
+        <a:font script="Beng" typeface="Vrinda"/>
+        <a:font script="Gujr" typeface="Shruti"/>
+        <a:font script="Khmr" typeface="DaunPenh"/>
+        <a:font script="Knda" typeface="Tunga"/>
+        <a:font script="Guru" typeface="Raavi"/>
+        <a:font script="Cans" typeface="Euphemia"/>
+        <a:font script="Cher" typeface="Plantagenet Cherokee"/>
+        <a:font script="Yiii" typeface="Microsoft Yi Baiti"/>
+        <a:font script="Tibt" typeface="Microsoft Himalaya"/>
+        <a:font script="Thaa" typeface="MV Boli"/>
+        <a:font script="Deva" typeface="Mangal"/>
+        <a:font script="Telu" typeface="Gautami"/>
+        <a:font script="Taml" typeface="Latha"/>
+        <a:font script="Syrc" typeface="Estrangelo Edessa"/>
+        <a:font script="Orya" typeface="Kalinga"/>
+        <a:font script="Mlym" typeface="Kartika"/>
+        <a:font script="Laoo" typeface="DokChampa"/>
+        <a:font script="Sinh" typeface="Iskoola Pota"/>
+        <a:font script="Mong" typeface="Mongolian Baiti"/>
+        <a:font script="Viet" typeface="Arial"/>
+        <a:font script="Uigh" typeface="Microsoft Uighur"/>
+        <a:font script="Geor" typeface="Sylfaen"/>
+      </a:minorFont>
+    </a:fontScheme>
+    <a:fmtScheme name="Office">
+      <a:fillStyleLst>
+        <a:solidFill>
+          <a:schemeClr val="phClr"/>
+        </a:solidFill>
+        <a:gradFill rotWithShape="1">
+          <a:gsLst>
+            <a:gs pos="0">
+              <a:schemeClr val="phClr">
+                <a:tint val="50000"/>
+                <a:satMod val="300000"/>
+              </a:schemeClr>
+            </a:gs>
+            <a:gs pos="35000">
+              <a:schemeClr val="phClr">
+                <a:tint val="37000"/>
+                <a:satMod val="300000"/>
+              </a:schemeClr>
+            </a:gs>
+            <a:gs pos="100000">
+              <a:schemeClr val="phClr">
+                <a:tint val="15000"/>
+                <a:satMod val="350000"/>
+              </a:schemeClr>
+            </a:gs>
+          </a:gsLst>
+          <a:lin ang="16200000" scaled="1"/>
+        </a:gradFill>
+        <a:gradFill rotWithShape="1">
+          <a:gsLst>
+            <a:gs pos="0">
+              <a:schemeClr val="phClr">
+                <a:tint val="100000"/>
+                <a:shade val="100000"/>
+                <a:satMod val="130000"/>
+              </a:schemeClr>
+            </a:gs>
+            <a:gs pos="100000">
+              <a:schemeClr val="phClr">
+                <a:tint val="50000"/>
+                <a:shade val="100000"/>
+                <a:satMod val="350000"/>
+              </a:schemeClr>
+            </a:gs>
+          </a:gsLst>
+          <a:lin ang="16200000" scaled="0"/>
+        </a:gradFill>
+      </a:fillStyleLst>
+      <a:lnStyleLst>
+        <a:ln w="9525" cap="flat" cmpd="sng" algn="ctr">
+          <a:solidFill>
+            <a:schemeClr val="phClr">
+              <a:shade val="95000"/>
+              <a:satMod val="105000"/>
+            </a:schemeClr>
+          </a:solidFill>
+          <a:prstDash val="solid"/>
+        </a:ln>
+        <a:ln w="25400" cap="flat" cmpd="sng" algn="ctr">
+          <a:solidFill>
+            <a:schemeClr val="phClr"/>
+          </a:solidFill>
+          <a:prstDash val="solid"/>
+        </a:ln>
+        <a:ln w="38100" cap="flat" cmpd="sng" algn="ctr">
+          <a:solidFill>
+            <a:schemeClr val="phClr"/>
+          </a:solidFill>
+          <a:prstDash val="solid"/>
+        </a:ln>
+      </a:lnStyleLst>
+      <a:effectStyleLst>
+        <a:effectStyle>
+          <a:effectLst>
+            <a:outerShdw blurRad="40000" dist="20000" dir="5400000" rotWithShape="0">
+              <a:srgbClr val="000000">
+                <a:alpha val="38000"/>
+              </a:srgbClr>
+            </a:outerShdw>
+          </a:effectLst>
+        </a:effectStyle>
+        <a:effectStyle>
+          <a:effectLst>
+            <a:outerShdw blurRad="40000" dist="23000" dir="5400000" rotWithShape="0">
+              <a:srgbClr val="000000">
+                <a:alpha val="35000"/>
+              </a:srgbClr>
+            </a:outerShdw>
+          </a:effectLst>
+        </a:effectStyle>
+        <a:effectStyle>
+          <a:effectLst>
+            <a:outerShdw blurRad="40000" dist="23000" dir="5400000" rotWithShape="0">
+              <a:srgbClr val="000000">
+                <a:alpha val="35000"/>
+              </a:srgbClr>
+            </a:outerShdw>
+          </a:effectLst>
+          <a:scene3d>
+            <a:camera prst="orthographicFront">
+              <a:rot lat="0" lon="0" rev="0"/>
+            </a:camera>
+            <a:lightRig rig="threePt" dir="t">
+              <a:rot lat="0" lon="0" rev="1200000"/>
+            </a:lightRig>
+          </a:scene3d>
+          <a:sp3d>
+            <a:bevelT w="63500" h="25400"/>
+          </a:sp3d>
+        </a:effectStyle>
+      </a:effectStyleLst>
+      <a:bgFillStyleLst>
+        <a:solidFill>
+          <a:schemeClr val="phClr"/>
+        </a:solidFill>
+        <a:gradFill rotWithShape="1">
+          <a:gsLst>
+            <a:gs pos="0">
+              <a:schemeClr val="phClr">
+                <a:tint val="40000"/>
+                <a:satMod val="350000"/>
+              </a:schemeClr>
+            </a:gs>
+            <a:gs pos="40000">
+              <a:schemeClr val="phClr">
+                <a:tint val="45000"/>
+                <a:shade val="99000"/>
+                <a:satMod val="350000"/>
+              </a:schemeClr>
+            </a:gs>
+            <a:gs pos="100000">
+              <a:schemeClr val="phClr">
+                <a:shade val="20000"/>
+                <a:satMod val="255000"/>
+              </a:schemeClr>
+            </a:gs>
+          </a:gsLst>
+          <a:path path="circle">
+            <a:fillToRect l="50000" t="-80000" r="50000" b="180000"/>
+          </a:path>
+        </a:gradFill>
+        <a:gradFill rotWithShape="1">
+          <a:gsLst>
+            <a:gs pos="0">
+              <a:schemeClr val="phClr">
+                <a:tint val="80000"/>
+                <a:satMod val="300000"/>
+              </a:schemeClr>
+            </a:gs>
+            <a:gs pos="100000">
+              <a:schemeClr val="phClr">
+                <a:shade val="30000"/>
+                <a:satMod val="200000"/>
+              </a:schemeClr>
+            </a:gs>
+          </a:gsLst>
+          <a:path path="circle">
+            <a:fillToRect l="50000" t="50000" r="50000" b="50000"/>
+          </a:path>
+        </a:gradFill>
+      </a:bgFillStyleLst>
+    </a:fmtScheme>
+  </a:themeElements>
+</a:theme>
+</file>
+
+<file path=ppt/theme/theme2.xml><?xml version="1.0" encoding="utf-8"?>
 <a:theme xmlns:a="http://schemas.openxmlformats.org/drawingml/2006/main" xmlns:r="http://schemas.openxmlformats.org/officeDocument/2006/relationships">
   <a:themeElements>
     <a:clrScheme name="Default">
@@ -12616,283 +13223,4 @@
     </a:fmtScheme>
   </a:themeElements>
 </a:theme>
-</file>
-
-<file path=ppt/theme/theme2.xml><?xml version="1.0" encoding="utf-8"?>
-<a:theme xmlns:a="http://schemas.openxmlformats.org/drawingml/2006/main" xmlns:r="http://schemas.openxmlformats.org/officeDocument/2006/relationships" name="Focus">
-  <a:themeElements>
-    <a:clrScheme name="Focus">
-      <a:dk1>
-        <a:srgbClr val="1B212C"/>
-      </a:dk1>
-      <a:lt1>
-        <a:srgbClr val="FFFFFF"/>
-      </a:lt1>
-      <a:dk2>
-        <a:srgbClr val="D9D9D9"/>
-      </a:dk2>
-      <a:lt2>
-        <a:srgbClr val="82C7A5"/>
-      </a:lt2>
-      <a:accent1>
-        <a:srgbClr val="0145AC"/>
-      </a:accent1>
-      <a:accent2>
-        <a:srgbClr val="EECE1A"/>
-      </a:accent2>
-      <a:accent3>
-        <a:srgbClr val="4E5567"/>
-      </a:accent3>
-      <a:accent4>
-        <a:srgbClr val="F4D6AD"/>
-      </a:accent4>
-      <a:accent5>
-        <a:srgbClr val="7890CD"/>
-      </a:accent5>
-      <a:accent6>
-        <a:srgbClr val="F15E22"/>
-      </a:accent6>
-      <a:hlink>
-        <a:srgbClr val="7890CD"/>
-      </a:hlink>
-      <a:folHlink>
-        <a:srgbClr val="7890CD"/>
-      </a:folHlink>
-    </a:clrScheme>
-    <a:fontScheme name="Office">
-      <a:majorFont>
-        <a:latin typeface="Arial"/>
-        <a:ea typeface=""/>
-        <a:cs typeface=""/>
-        <a:font script="Jpan" typeface="ＭＳ Ｐゴシック"/>
-        <a:font script="Hang" typeface="맑은 고딕"/>
-        <a:font script="Hans" typeface="宋体"/>
-        <a:font script="Hant" typeface="新細明體"/>
-        <a:font script="Arab" typeface="Times New Roman"/>
-        <a:font script="Hebr" typeface="Times New Roman"/>
-        <a:font script="Thai" typeface="Angsana New"/>
-        <a:font script="Ethi" typeface="Nyala"/>
-        <a:font script="Beng" typeface="Vrinda"/>
-        <a:font script="Gujr" typeface="Shruti"/>
-        <a:font script="Khmr" typeface="MoolBoran"/>
-        <a:font script="Knda" typeface="Tunga"/>
-        <a:font script="Guru" typeface="Raavi"/>
-        <a:font script="Cans" typeface="Euphemia"/>
-        <a:font script="Cher" typeface="Plantagenet Cherokee"/>
-        <a:font script="Yiii" typeface="Microsoft Yi Baiti"/>
-        <a:font script="Tibt" typeface="Microsoft Himalaya"/>
-        <a:font script="Thaa" typeface="MV Boli"/>
-        <a:font script="Deva" typeface="Mangal"/>
-        <a:font script="Telu" typeface="Gautami"/>
-        <a:font script="Taml" typeface="Latha"/>
-        <a:font script="Syrc" typeface="Estrangelo Edessa"/>
-        <a:font script="Orya" typeface="Kalinga"/>
-        <a:font script="Mlym" typeface="Kartika"/>
-        <a:font script="Laoo" typeface="DokChampa"/>
-        <a:font script="Sinh" typeface="Iskoola Pota"/>
-        <a:font script="Mong" typeface="Mongolian Baiti"/>
-        <a:font script="Viet" typeface="Times New Roman"/>
-        <a:font script="Uigh" typeface="Microsoft Uighur"/>
-        <a:font script="Geor" typeface="Sylfaen"/>
-      </a:majorFont>
-      <a:minorFont>
-        <a:latin typeface="Arial"/>
-        <a:ea typeface=""/>
-        <a:cs typeface=""/>
-        <a:font script="Jpan" typeface="ＭＳ Ｐゴシック"/>
-        <a:font script="Hang" typeface="맑은 고딕"/>
-        <a:font script="Hans" typeface="宋体"/>
-        <a:font script="Hant" typeface="新細明體"/>
-        <a:font script="Arab" typeface="Arial"/>
-        <a:font script="Hebr" typeface="Arial"/>
-        <a:font script="Thai" typeface="Cordia New"/>
-        <a:font script="Ethi" typeface="Nyala"/>
-        <a:font script="Beng" typeface="Vrinda"/>
-        <a:font script="Gujr" typeface="Shruti"/>
-        <a:font script="Khmr" typeface="DaunPenh"/>
-        <a:font script="Knda" typeface="Tunga"/>
-        <a:font script="Guru" typeface="Raavi"/>
-        <a:font script="Cans" typeface="Euphemia"/>
-        <a:font script="Cher" typeface="Plantagenet Cherokee"/>
-        <a:font script="Yiii" typeface="Microsoft Yi Baiti"/>
-        <a:font script="Tibt" typeface="Microsoft Himalaya"/>
-        <a:font script="Thaa" typeface="MV Boli"/>
-        <a:font script="Deva" typeface="Mangal"/>
-        <a:font script="Telu" typeface="Gautami"/>
-        <a:font script="Taml" typeface="Latha"/>
-        <a:font script="Syrc" typeface="Estrangelo Edessa"/>
-        <a:font script="Orya" typeface="Kalinga"/>
-        <a:font script="Mlym" typeface="Kartika"/>
-        <a:font script="Laoo" typeface="DokChampa"/>
-        <a:font script="Sinh" typeface="Iskoola Pota"/>
-        <a:font script="Mong" typeface="Mongolian Baiti"/>
-        <a:font script="Viet" typeface="Arial"/>
-        <a:font script="Uigh" typeface="Microsoft Uighur"/>
-        <a:font script="Geor" typeface="Sylfaen"/>
-      </a:minorFont>
-    </a:fontScheme>
-    <a:fmtScheme name="Office">
-      <a:fillStyleLst>
-        <a:solidFill>
-          <a:schemeClr val="phClr"/>
-        </a:solidFill>
-        <a:gradFill rotWithShape="1">
-          <a:gsLst>
-            <a:gs pos="0">
-              <a:schemeClr val="phClr">
-                <a:tint val="50000"/>
-                <a:satMod val="300000"/>
-              </a:schemeClr>
-            </a:gs>
-            <a:gs pos="35000">
-              <a:schemeClr val="phClr">
-                <a:tint val="37000"/>
-                <a:satMod val="300000"/>
-              </a:schemeClr>
-            </a:gs>
-            <a:gs pos="100000">
-              <a:schemeClr val="phClr">
-                <a:tint val="15000"/>
-                <a:satMod val="350000"/>
-              </a:schemeClr>
-            </a:gs>
-          </a:gsLst>
-          <a:lin ang="16200000" scaled="1"/>
-        </a:gradFill>
-        <a:gradFill rotWithShape="1">
-          <a:gsLst>
-            <a:gs pos="0">
-              <a:schemeClr val="phClr">
-                <a:tint val="100000"/>
-                <a:shade val="100000"/>
-                <a:satMod val="130000"/>
-              </a:schemeClr>
-            </a:gs>
-            <a:gs pos="100000">
-              <a:schemeClr val="phClr">
-                <a:tint val="50000"/>
-                <a:shade val="100000"/>
-                <a:satMod val="350000"/>
-              </a:schemeClr>
-            </a:gs>
-          </a:gsLst>
-          <a:lin ang="16200000" scaled="0"/>
-        </a:gradFill>
-      </a:fillStyleLst>
-      <a:lnStyleLst>
-        <a:ln w="9525" cap="flat" cmpd="sng" algn="ctr">
-          <a:solidFill>
-            <a:schemeClr val="phClr">
-              <a:shade val="95000"/>
-              <a:satMod val="105000"/>
-            </a:schemeClr>
-          </a:solidFill>
-          <a:prstDash val="solid"/>
-        </a:ln>
-        <a:ln w="25400" cap="flat" cmpd="sng" algn="ctr">
-          <a:solidFill>
-            <a:schemeClr val="phClr"/>
-          </a:solidFill>
-          <a:prstDash val="solid"/>
-        </a:ln>
-        <a:ln w="38100" cap="flat" cmpd="sng" algn="ctr">
-          <a:solidFill>
-            <a:schemeClr val="phClr"/>
-          </a:solidFill>
-          <a:prstDash val="solid"/>
-        </a:ln>
-      </a:lnStyleLst>
-      <a:effectStyleLst>
-        <a:effectStyle>
-          <a:effectLst>
-            <a:outerShdw blurRad="40000" dist="20000" dir="5400000" rotWithShape="0">
-              <a:srgbClr val="000000">
-                <a:alpha val="38000"/>
-              </a:srgbClr>
-            </a:outerShdw>
-          </a:effectLst>
-        </a:effectStyle>
-        <a:effectStyle>
-          <a:effectLst>
-            <a:outerShdw blurRad="40000" dist="23000" dir="5400000" rotWithShape="0">
-              <a:srgbClr val="000000">
-                <a:alpha val="35000"/>
-              </a:srgbClr>
-            </a:outerShdw>
-          </a:effectLst>
-        </a:effectStyle>
-        <a:effectStyle>
-          <a:effectLst>
-            <a:outerShdw blurRad="40000" dist="23000" dir="5400000" rotWithShape="0">
-              <a:srgbClr val="000000">
-                <a:alpha val="35000"/>
-              </a:srgbClr>
-            </a:outerShdw>
-          </a:effectLst>
-          <a:scene3d>
-            <a:camera prst="orthographicFront">
-              <a:rot lat="0" lon="0" rev="0"/>
-            </a:camera>
-            <a:lightRig rig="threePt" dir="t">
-              <a:rot lat="0" lon="0" rev="1200000"/>
-            </a:lightRig>
-          </a:scene3d>
-          <a:sp3d>
-            <a:bevelT w="63500" h="25400"/>
-          </a:sp3d>
-        </a:effectStyle>
-      </a:effectStyleLst>
-      <a:bgFillStyleLst>
-        <a:solidFill>
-          <a:schemeClr val="phClr"/>
-        </a:solidFill>
-        <a:gradFill rotWithShape="1">
-          <a:gsLst>
-            <a:gs pos="0">
-              <a:schemeClr val="phClr">
-                <a:tint val="40000"/>
-                <a:satMod val="350000"/>
-              </a:schemeClr>
-            </a:gs>
-            <a:gs pos="40000">
-              <a:schemeClr val="phClr">
-                <a:tint val="45000"/>
-                <a:shade val="99000"/>
-                <a:satMod val="350000"/>
-              </a:schemeClr>
-            </a:gs>
-            <a:gs pos="100000">
-              <a:schemeClr val="phClr">
-                <a:shade val="20000"/>
-                <a:satMod val="255000"/>
-              </a:schemeClr>
-            </a:gs>
-          </a:gsLst>
-          <a:path path="circle">
-            <a:fillToRect l="50000" t="-80000" r="50000" b="180000"/>
-          </a:path>
-        </a:gradFill>
-        <a:gradFill rotWithShape="1">
-          <a:gsLst>
-            <a:gs pos="0">
-              <a:schemeClr val="phClr">
-                <a:tint val="80000"/>
-                <a:satMod val="300000"/>
-              </a:schemeClr>
-            </a:gs>
-            <a:gs pos="100000">
-              <a:schemeClr val="phClr">
-                <a:shade val="30000"/>
-                <a:satMod val="200000"/>
-              </a:schemeClr>
-            </a:gs>
-          </a:gsLst>
-          <a:path path="circle">
-            <a:fillToRect l="50000" t="50000" r="50000" b="50000"/>
-          </a:path>
-        </a:gradFill>
-      </a:bgFillStyleLst>
-    </a:fmtScheme>
-  </a:themeElements>
-</a:theme>
 </file>